--- a/presentation.pptx
+++ b/presentation.pptx
@@ -6,6 +6,11 @@
   </p:sldMasterIdLst>
   <p:sldIdLst>
     <p:sldId id="256" r:id="rId2"/>
+    <p:sldId id="257" r:id="rId3"/>
+    <p:sldId id="258" r:id="rId4"/>
+    <p:sldId id="259" r:id="rId5"/>
+    <p:sldId id="260" r:id="rId6"/>
+    <p:sldId id="261" r:id="rId7"/>
   </p:sldIdLst>
   <p:sldSz cx="12192000" cy="6858000"/>
   <p:notesSz cx="6858000" cy="9144000"/>
@@ -104,6 +109,11 @@
       </a:defRPr>
     </a:lvl9pPr>
   </p:defaultTextStyle>
+  <p:extLst>
+    <p:ext uri="{EFAFB233-063F-42B5-8137-9DF3F51BA10A}">
+      <p15:sldGuideLst xmlns:p15="http://schemas.microsoft.com/office/powerpoint/2012/main"/>
+    </p:ext>
+  </p:extLst>
 </p:presentation>
 </file>
 
@@ -254,7 +264,7 @@
           <a:p>
             <a:fld id="{8A051A73-ABE2-4AA8-8EBE-7ED6FEC5B6C1}" type="datetimeFigureOut">
               <a:rPr lang="ru-RU" smtClean="0"/>
-              <a:t>21.01.2022</a:t>
+              <a:t>23.01.2022</a:t>
             </a:fld>
             <a:endParaRPr lang="ru-RU"/>
           </a:p>
@@ -452,7 +462,7 @@
           <a:p>
             <a:fld id="{8A051A73-ABE2-4AA8-8EBE-7ED6FEC5B6C1}" type="datetimeFigureOut">
               <a:rPr lang="ru-RU" smtClean="0"/>
-              <a:t>21.01.2022</a:t>
+              <a:t>23.01.2022</a:t>
             </a:fld>
             <a:endParaRPr lang="ru-RU"/>
           </a:p>
@@ -660,7 +670,7 @@
           <a:p>
             <a:fld id="{8A051A73-ABE2-4AA8-8EBE-7ED6FEC5B6C1}" type="datetimeFigureOut">
               <a:rPr lang="ru-RU" smtClean="0"/>
-              <a:t>21.01.2022</a:t>
+              <a:t>23.01.2022</a:t>
             </a:fld>
             <a:endParaRPr lang="ru-RU"/>
           </a:p>
@@ -858,7 +868,7 @@
           <a:p>
             <a:fld id="{8A051A73-ABE2-4AA8-8EBE-7ED6FEC5B6C1}" type="datetimeFigureOut">
               <a:rPr lang="ru-RU" smtClean="0"/>
-              <a:t>21.01.2022</a:t>
+              <a:t>23.01.2022</a:t>
             </a:fld>
             <a:endParaRPr lang="ru-RU"/>
           </a:p>
@@ -1133,7 +1143,7 @@
           <a:p>
             <a:fld id="{8A051A73-ABE2-4AA8-8EBE-7ED6FEC5B6C1}" type="datetimeFigureOut">
               <a:rPr lang="ru-RU" smtClean="0"/>
-              <a:t>21.01.2022</a:t>
+              <a:t>23.01.2022</a:t>
             </a:fld>
             <a:endParaRPr lang="ru-RU"/>
           </a:p>
@@ -1398,7 +1408,7 @@
           <a:p>
             <a:fld id="{8A051A73-ABE2-4AA8-8EBE-7ED6FEC5B6C1}" type="datetimeFigureOut">
               <a:rPr lang="ru-RU" smtClean="0"/>
-              <a:t>21.01.2022</a:t>
+              <a:t>23.01.2022</a:t>
             </a:fld>
             <a:endParaRPr lang="ru-RU"/>
           </a:p>
@@ -1810,7 +1820,7 @@
           <a:p>
             <a:fld id="{8A051A73-ABE2-4AA8-8EBE-7ED6FEC5B6C1}" type="datetimeFigureOut">
               <a:rPr lang="ru-RU" smtClean="0"/>
-              <a:t>21.01.2022</a:t>
+              <a:t>23.01.2022</a:t>
             </a:fld>
             <a:endParaRPr lang="ru-RU"/>
           </a:p>
@@ -1951,7 +1961,7 @@
           <a:p>
             <a:fld id="{8A051A73-ABE2-4AA8-8EBE-7ED6FEC5B6C1}" type="datetimeFigureOut">
               <a:rPr lang="ru-RU" smtClean="0"/>
-              <a:t>21.01.2022</a:t>
+              <a:t>23.01.2022</a:t>
             </a:fld>
             <a:endParaRPr lang="ru-RU"/>
           </a:p>
@@ -2064,7 +2074,7 @@
           <a:p>
             <a:fld id="{8A051A73-ABE2-4AA8-8EBE-7ED6FEC5B6C1}" type="datetimeFigureOut">
               <a:rPr lang="ru-RU" smtClean="0"/>
-              <a:t>21.01.2022</a:t>
+              <a:t>23.01.2022</a:t>
             </a:fld>
             <a:endParaRPr lang="ru-RU"/>
           </a:p>
@@ -2375,7 +2385,7 @@
           <a:p>
             <a:fld id="{8A051A73-ABE2-4AA8-8EBE-7ED6FEC5B6C1}" type="datetimeFigureOut">
               <a:rPr lang="ru-RU" smtClean="0"/>
-              <a:t>21.01.2022</a:t>
+              <a:t>23.01.2022</a:t>
             </a:fld>
             <a:endParaRPr lang="ru-RU"/>
           </a:p>
@@ -2663,7 +2673,7 @@
           <a:p>
             <a:fld id="{8A051A73-ABE2-4AA8-8EBE-7ED6FEC5B6C1}" type="datetimeFigureOut">
               <a:rPr lang="ru-RU" smtClean="0"/>
-              <a:t>21.01.2022</a:t>
+              <a:t>23.01.2022</a:t>
             </a:fld>
             <a:endParaRPr lang="ru-RU"/>
           </a:p>
@@ -2904,7 +2914,7 @@
           <a:p>
             <a:fld id="{8A051A73-ABE2-4AA8-8EBE-7ED6FEC5B6C1}" type="datetimeFigureOut">
               <a:rPr lang="ru-RU" smtClean="0"/>
-              <a:t>21.01.2022</a:t>
+              <a:t>23.01.2022</a:t>
             </a:fld>
             <a:endParaRPr lang="ru-RU"/>
           </a:p>
@@ -3323,18 +3333,18 @@
       </p:grpSpPr>
       <p:sp>
         <p:nvSpPr>
-          <p:cNvPr id="2" name="Заголовок 1">
-            <a:extLst>
-              <a:ext uri="{FF2B5EF4-FFF2-40B4-BE49-F238E27FC236}">
-                <a16:creationId xmlns:a16="http://schemas.microsoft.com/office/drawing/2014/main" id="{81C83827-B74F-45B0-96C7-1A533C276985}"/>
-              </a:ext>
-            </a:extLst>
-          </p:cNvPr>
-          <p:cNvSpPr>
-            <a:spLocks noGrp="1"/>
-          </p:cNvSpPr>
-          <p:nvPr>
-            <p:ph type="ctrTitle"/>
+          <p:cNvPr id="4" name="Заголовок 3">
+            <a:extLst>
+              <a:ext uri="{FF2B5EF4-FFF2-40B4-BE49-F238E27FC236}">
+                <a16:creationId xmlns:a16="http://schemas.microsoft.com/office/drawing/2014/main" id="{117F7D51-F3C0-4527-BEDD-16A622635830}"/>
+              </a:ext>
+            </a:extLst>
+          </p:cNvPr>
+          <p:cNvSpPr>
+            <a:spLocks noGrp="1"/>
+          </p:cNvSpPr>
+          <p:nvPr>
+            <p:ph type="title"/>
           </p:nvPr>
         </p:nvSpPr>
         <p:spPr/>
@@ -3342,35 +3352,80 @@
           <a:bodyPr/>
           <a:lstStyle/>
           <a:p>
-            <a:endParaRPr lang="ru-RU"/>
-          </a:p>
-        </p:txBody>
-      </p:sp>
-      <p:sp>
-        <p:nvSpPr>
-          <p:cNvPr id="3" name="Подзаголовок 2">
-            <a:extLst>
-              <a:ext uri="{FF2B5EF4-FFF2-40B4-BE49-F238E27FC236}">
-                <a16:creationId xmlns:a16="http://schemas.microsoft.com/office/drawing/2014/main" id="{EE2E1068-39B3-44C2-8AB8-FF46DC7714CF}"/>
-              </a:ext>
-            </a:extLst>
-          </p:cNvPr>
-          <p:cNvSpPr>
-            <a:spLocks noGrp="1"/>
-          </p:cNvSpPr>
-          <p:nvPr>
-            <p:ph type="subTitle" idx="1"/>
-          </p:nvPr>
-        </p:nvSpPr>
-        <p:spPr/>
+            <a:pPr algn="ctr"/>
+            <a:r>
+              <a:rPr lang="en-US" dirty="0"/>
+              <a:t>Sea Battle</a:t>
+            </a:r>
+            <a:endParaRPr lang="ru-RU" dirty="0"/>
+          </a:p>
+        </p:txBody>
+      </p:sp>
+      <p:sp>
+        <p:nvSpPr>
+          <p:cNvPr id="5" name="Объект 4">
+            <a:extLst>
+              <a:ext uri="{FF2B5EF4-FFF2-40B4-BE49-F238E27FC236}">
+                <a16:creationId xmlns:a16="http://schemas.microsoft.com/office/drawing/2014/main" id="{71348AC5-EEB8-4BBF-8ADF-4EC73997E9B1}"/>
+              </a:ext>
+            </a:extLst>
+          </p:cNvPr>
+          <p:cNvSpPr>
+            <a:spLocks noGrp="1"/>
+          </p:cNvSpPr>
+          <p:nvPr>
+            <p:ph sz="half" idx="1"/>
+          </p:nvPr>
+        </p:nvSpPr>
+        <p:spPr>
+          <a:xfrm>
+            <a:off x="838200" y="4544703"/>
+            <a:ext cx="8974540" cy="1632259"/>
+          </a:xfrm>
+        </p:spPr>
         <p:txBody>
           <a:bodyPr/>
           <a:lstStyle/>
           <a:p>
-            <a:endParaRPr lang="ru-RU"/>
-          </a:p>
-        </p:txBody>
-      </p:sp>
+            <a:pPr marL="0" indent="0">
+              <a:buNone/>
+            </a:pPr>
+            <a:r>
+              <a:rPr lang="ru-RU" dirty="0"/>
+              <a:t>Проект выполнили: Чуянов Роман Александрович и Тухватуллин Камиль</a:t>
+            </a:r>
+          </a:p>
+        </p:txBody>
+      </p:sp>
+      <p:pic>
+        <p:nvPicPr>
+          <p:cNvPr id="8" name="Объект 7">
+            <a:extLst>
+              <a:ext uri="{FF2B5EF4-FFF2-40B4-BE49-F238E27FC236}">
+                <a16:creationId xmlns:a16="http://schemas.microsoft.com/office/drawing/2014/main" id="{26A5A15A-B5B9-4AD7-9C50-E7B34FDEE8ED}"/>
+              </a:ext>
+            </a:extLst>
+          </p:cNvPr>
+          <p:cNvPicPr>
+            <a:picLocks noGrp="1" noChangeAspect="1"/>
+          </p:cNvPicPr>
+          <p:nvPr>
+            <p:ph sz="half" idx="2"/>
+          </p:nvPr>
+        </p:nvPicPr>
+        <p:blipFill>
+          <a:blip r:embed="rId2"/>
+          <a:stretch>
+            <a:fillRect/>
+          </a:stretch>
+        </p:blipFill>
+        <p:spPr>
+          <a:xfrm>
+            <a:off x="8895862" y="1825624"/>
+            <a:ext cx="3296138" cy="4351338"/>
+          </a:xfrm>
+        </p:spPr>
+      </p:pic>
     </p:spTree>
     <p:extLst>
       <p:ext uri="{BB962C8B-B14F-4D97-AF65-F5344CB8AC3E}">
@@ -3381,6 +3436,3215 @@
   <p:clrMapOvr>
     <a:masterClrMapping/>
   </p:clrMapOvr>
+  <p:timing>
+    <p:tnLst>
+      <p:par>
+        <p:cTn id="1" dur="indefinite" restart="never" nodeType="tmRoot">
+          <p:childTnLst>
+            <p:seq concurrent="1" nextAc="seek">
+              <p:cTn id="2" dur="indefinite" nodeType="mainSeq">
+                <p:childTnLst>
+                  <p:par>
+                    <p:cTn id="3" fill="hold">
+                      <p:stCondLst>
+                        <p:cond delay="indefinite"/>
+                        <p:cond evt="onBegin" delay="0">
+                          <p:tn val="2"/>
+                        </p:cond>
+                      </p:stCondLst>
+                      <p:childTnLst>
+                        <p:par>
+                          <p:cTn id="4" fill="hold">
+                            <p:stCondLst>
+                              <p:cond delay="0"/>
+                            </p:stCondLst>
+                            <p:childTnLst>
+                              <p:par>
+                                <p:cTn id="5" presetID="10" presetClass="entr" presetSubtype="0" fill="hold" grpId="0" nodeType="afterEffect">
+                                  <p:stCondLst>
+                                    <p:cond delay="0"/>
+                                  </p:stCondLst>
+                                  <p:childTnLst>
+                                    <p:set>
+                                      <p:cBhvr>
+                                        <p:cTn id="6" dur="1" fill="hold">
+                                          <p:stCondLst>
+                                            <p:cond delay="0"/>
+                                          </p:stCondLst>
+                                        </p:cTn>
+                                        <p:tgtEl>
+                                          <p:spTgt spid="4"/>
+                                        </p:tgtEl>
+                                        <p:attrNameLst>
+                                          <p:attrName>style.visibility</p:attrName>
+                                        </p:attrNameLst>
+                                      </p:cBhvr>
+                                      <p:to>
+                                        <p:strVal val="visible"/>
+                                      </p:to>
+                                    </p:set>
+                                    <p:animEffect transition="in" filter="fade">
+                                      <p:cBhvr>
+                                        <p:cTn id="7" dur="500"/>
+                                        <p:tgtEl>
+                                          <p:spTgt spid="4"/>
+                                        </p:tgtEl>
+                                      </p:cBhvr>
+                                    </p:animEffect>
+                                  </p:childTnLst>
+                                </p:cTn>
+                              </p:par>
+                              <p:par>
+                                <p:cTn id="8" presetID="35" presetClass="path" presetSubtype="0" accel="50000" decel="50000" fill="hold" nodeType="withEffect">
+                                  <p:stCondLst>
+                                    <p:cond delay="0"/>
+                                  </p:stCondLst>
+                                  <p:childTnLst>
+                                    <p:animMotion origin="layout" path="M 0.27032 0.00301 L -3.75E-6 -3.33333E-6 " pathEditMode="relative" rAng="0" ptsTypes="AA">
+                                      <p:cBhvr>
+                                        <p:cTn id="9" dur="2000" fill="hold"/>
+                                        <p:tgtEl>
+                                          <p:spTgt spid="8"/>
+                                        </p:tgtEl>
+                                        <p:attrNameLst>
+                                          <p:attrName>ppt_x</p:attrName>
+                                          <p:attrName>ppt_y</p:attrName>
+                                        </p:attrNameLst>
+                                      </p:cBhvr>
+                                      <p:rCtr x="-13516" y="-162"/>
+                                    </p:animMotion>
+                                  </p:childTnLst>
+                                </p:cTn>
+                              </p:par>
+                            </p:childTnLst>
+                          </p:cTn>
+                        </p:par>
+                      </p:childTnLst>
+                    </p:cTn>
+                  </p:par>
+                  <p:par>
+                    <p:cTn id="10" fill="hold">
+                      <p:stCondLst>
+                        <p:cond delay="indefinite"/>
+                      </p:stCondLst>
+                      <p:childTnLst>
+                        <p:par>
+                          <p:cTn id="11" fill="hold">
+                            <p:stCondLst>
+                              <p:cond delay="0"/>
+                            </p:stCondLst>
+                            <p:childTnLst>
+                              <p:par>
+                                <p:cTn id="12" presetID="10" presetClass="entr" presetSubtype="0" fill="hold" grpId="0" nodeType="clickEffect">
+                                  <p:stCondLst>
+                                    <p:cond delay="0"/>
+                                  </p:stCondLst>
+                                  <p:childTnLst>
+                                    <p:set>
+                                      <p:cBhvr>
+                                        <p:cTn id="13" dur="1" fill="hold">
+                                          <p:stCondLst>
+                                            <p:cond delay="0"/>
+                                          </p:stCondLst>
+                                        </p:cTn>
+                                        <p:tgtEl>
+                                          <p:spTgt spid="5">
+                                            <p:txEl>
+                                              <p:pRg st="0" end="0"/>
+                                            </p:txEl>
+                                          </p:spTgt>
+                                        </p:tgtEl>
+                                        <p:attrNameLst>
+                                          <p:attrName>style.visibility</p:attrName>
+                                        </p:attrNameLst>
+                                      </p:cBhvr>
+                                      <p:to>
+                                        <p:strVal val="visible"/>
+                                      </p:to>
+                                    </p:set>
+                                    <p:animEffect transition="in" filter="fade">
+                                      <p:cBhvr>
+                                        <p:cTn id="14" dur="500"/>
+                                        <p:tgtEl>
+                                          <p:spTgt spid="5">
+                                            <p:txEl>
+                                              <p:pRg st="0" end="0"/>
+                                            </p:txEl>
+                                          </p:spTgt>
+                                        </p:tgtEl>
+                                      </p:cBhvr>
+                                    </p:animEffect>
+                                  </p:childTnLst>
+                                </p:cTn>
+                              </p:par>
+                            </p:childTnLst>
+                          </p:cTn>
+                        </p:par>
+                      </p:childTnLst>
+                    </p:cTn>
+                  </p:par>
+                  <p:par>
+                    <p:cTn id="15" fill="hold">
+                      <p:stCondLst>
+                        <p:cond delay="indefinite"/>
+                      </p:stCondLst>
+                      <p:childTnLst>
+                        <p:par>
+                          <p:cTn id="16" fill="hold">
+                            <p:stCondLst>
+                              <p:cond delay="0"/>
+                            </p:stCondLst>
+                            <p:childTnLst>
+                              <p:par>
+                                <p:cTn id="17" presetID="10" presetClass="exit" presetSubtype="0" fill="hold" grpId="1" nodeType="clickEffect">
+                                  <p:stCondLst>
+                                    <p:cond delay="0"/>
+                                  </p:stCondLst>
+                                  <p:childTnLst>
+                                    <p:animEffect transition="out" filter="fade">
+                                      <p:cBhvr>
+                                        <p:cTn id="18" dur="500"/>
+                                        <p:tgtEl>
+                                          <p:spTgt spid="5">
+                                            <p:txEl>
+                                              <p:pRg st="0" end="0"/>
+                                            </p:txEl>
+                                          </p:spTgt>
+                                        </p:tgtEl>
+                                      </p:cBhvr>
+                                    </p:animEffect>
+                                    <p:set>
+                                      <p:cBhvr>
+                                        <p:cTn id="19" dur="1" fill="hold">
+                                          <p:stCondLst>
+                                            <p:cond delay="499"/>
+                                          </p:stCondLst>
+                                        </p:cTn>
+                                        <p:tgtEl>
+                                          <p:spTgt spid="5">
+                                            <p:txEl>
+                                              <p:pRg st="0" end="0"/>
+                                            </p:txEl>
+                                          </p:spTgt>
+                                        </p:tgtEl>
+                                        <p:attrNameLst>
+                                          <p:attrName>style.visibility</p:attrName>
+                                        </p:attrNameLst>
+                                      </p:cBhvr>
+                                      <p:to>
+                                        <p:strVal val="hidden"/>
+                                      </p:to>
+                                    </p:set>
+                                  </p:childTnLst>
+                                </p:cTn>
+                              </p:par>
+                              <p:par>
+                                <p:cTn id="20" presetID="10" presetClass="exit" presetSubtype="0" fill="hold" grpId="1" nodeType="withEffect">
+                                  <p:stCondLst>
+                                    <p:cond delay="0"/>
+                                  </p:stCondLst>
+                                  <p:childTnLst>
+                                    <p:animEffect transition="out" filter="fade">
+                                      <p:cBhvr>
+                                        <p:cTn id="21" dur="500"/>
+                                        <p:tgtEl>
+                                          <p:spTgt spid="4"/>
+                                        </p:tgtEl>
+                                      </p:cBhvr>
+                                    </p:animEffect>
+                                    <p:set>
+                                      <p:cBhvr>
+                                        <p:cTn id="22" dur="1" fill="hold">
+                                          <p:stCondLst>
+                                            <p:cond delay="499"/>
+                                          </p:stCondLst>
+                                        </p:cTn>
+                                        <p:tgtEl>
+                                          <p:spTgt spid="4"/>
+                                        </p:tgtEl>
+                                        <p:attrNameLst>
+                                          <p:attrName>style.visibility</p:attrName>
+                                        </p:attrNameLst>
+                                      </p:cBhvr>
+                                      <p:to>
+                                        <p:strVal val="hidden"/>
+                                      </p:to>
+                                    </p:set>
+                                  </p:childTnLst>
+                                </p:cTn>
+                              </p:par>
+                            </p:childTnLst>
+                          </p:cTn>
+                        </p:par>
+                      </p:childTnLst>
+                    </p:cTn>
+                  </p:par>
+                </p:childTnLst>
+              </p:cTn>
+              <p:prevCondLst>
+                <p:cond evt="onPrev" delay="0">
+                  <p:tgtEl>
+                    <p:sldTgt/>
+                  </p:tgtEl>
+                </p:cond>
+              </p:prevCondLst>
+              <p:nextCondLst>
+                <p:cond evt="onNext" delay="0">
+                  <p:tgtEl>
+                    <p:sldTgt/>
+                  </p:tgtEl>
+                </p:cond>
+              </p:nextCondLst>
+            </p:seq>
+          </p:childTnLst>
+        </p:cTn>
+      </p:par>
+    </p:tnLst>
+    <p:bldLst>
+      <p:bldP spid="4" grpId="0"/>
+      <p:bldP spid="4" grpId="1"/>
+      <p:bldP spid="5" grpId="0" build="p"/>
+      <p:bldP spid="5" grpId="1" build="p"/>
+    </p:bldLst>
+  </p:timing>
+</p:sld>
+</file>
+
+<file path=ppt/slides/slide2.xml><?xml version="1.0" encoding="utf-8"?>
+<p:sld xmlns:a="http://schemas.openxmlformats.org/drawingml/2006/main" xmlns:r="http://schemas.openxmlformats.org/officeDocument/2006/relationships" xmlns:p="http://schemas.openxmlformats.org/presentationml/2006/main">
+  <p:cSld>
+    <p:spTree>
+      <p:nvGrpSpPr>
+        <p:cNvPr id="1" name=""/>
+        <p:cNvGrpSpPr/>
+        <p:nvPr/>
+      </p:nvGrpSpPr>
+      <p:grpSpPr>
+        <a:xfrm>
+          <a:off x="0" y="0"/>
+          <a:ext cx="0" cy="0"/>
+          <a:chOff x="0" y="0"/>
+          <a:chExt cx="0" cy="0"/>
+        </a:xfrm>
+      </p:grpSpPr>
+      <p:sp>
+        <p:nvSpPr>
+          <p:cNvPr id="2" name="Заголовок 1">
+            <a:extLst>
+              <a:ext uri="{FF2B5EF4-FFF2-40B4-BE49-F238E27FC236}">
+                <a16:creationId xmlns:a16="http://schemas.microsoft.com/office/drawing/2014/main" id="{2539064C-C335-4742-BC17-819B98CF9624}"/>
+              </a:ext>
+            </a:extLst>
+          </p:cNvPr>
+          <p:cNvSpPr>
+            <a:spLocks noGrp="1"/>
+          </p:cNvSpPr>
+          <p:nvPr>
+            <p:ph type="title"/>
+          </p:nvPr>
+        </p:nvSpPr>
+        <p:spPr/>
+        <p:txBody>
+          <a:bodyPr/>
+          <a:lstStyle/>
+          <a:p>
+            <a:r>
+              <a:rPr lang="ru-RU" dirty="0"/>
+              <a:t>Введение</a:t>
+            </a:r>
+          </a:p>
+        </p:txBody>
+      </p:sp>
+      <p:sp>
+        <p:nvSpPr>
+          <p:cNvPr id="3" name="Объект 2">
+            <a:extLst>
+              <a:ext uri="{FF2B5EF4-FFF2-40B4-BE49-F238E27FC236}">
+                <a16:creationId xmlns:a16="http://schemas.microsoft.com/office/drawing/2014/main" id="{62F7027B-4F9A-48CA-95D4-0298F375E31A}"/>
+              </a:ext>
+            </a:extLst>
+          </p:cNvPr>
+          <p:cNvSpPr>
+            <a:spLocks noGrp="1"/>
+          </p:cNvSpPr>
+          <p:nvPr>
+            <p:ph sz="half" idx="1"/>
+          </p:nvPr>
+        </p:nvSpPr>
+        <p:spPr>
+          <a:xfrm>
+            <a:off x="838199" y="1825625"/>
+            <a:ext cx="8053721" cy="4351338"/>
+          </a:xfrm>
+        </p:spPr>
+        <p:txBody>
+          <a:bodyPr/>
+          <a:lstStyle/>
+          <a:p>
+            <a:r>
+              <a:rPr lang="ru-RU" dirty="0"/>
+              <a:t>Морской бой — это классическая игра, которая была создана для </a:t>
+            </a:r>
+            <a:r>
+              <a:rPr lang="en-US" dirty="0"/>
+              <a:t>Windows</a:t>
+            </a:r>
+            <a:endParaRPr lang="ru-RU" dirty="0"/>
+          </a:p>
+          <a:p>
+            <a:r>
+              <a:rPr lang="ru-RU" dirty="0"/>
+              <a:t>В игре есть интересный сюжет, в котором мальчик по имени Андрей переживает 3-ю мировую войну</a:t>
+            </a:r>
+          </a:p>
+          <a:p>
+            <a:r>
+              <a:rPr lang="ru-RU" dirty="0"/>
+              <a:t>Также в игре есть уровни, бот, настройки и куча достижений, поэтому в игру будет смысл заходить каждый день</a:t>
+            </a:r>
+          </a:p>
+          <a:p>
+            <a:pPr marL="0" indent="0">
+              <a:buNone/>
+            </a:pPr>
+            <a:endParaRPr lang="ru-RU" dirty="0"/>
+          </a:p>
+        </p:txBody>
+      </p:sp>
+      <p:pic>
+        <p:nvPicPr>
+          <p:cNvPr id="10" name="Объект 9">
+            <a:extLst>
+              <a:ext uri="{FF2B5EF4-FFF2-40B4-BE49-F238E27FC236}">
+                <a16:creationId xmlns:a16="http://schemas.microsoft.com/office/drawing/2014/main" id="{F2F834F2-061E-4F52-A003-5B7B629071F2}"/>
+              </a:ext>
+            </a:extLst>
+          </p:cNvPr>
+          <p:cNvPicPr>
+            <a:picLocks noGrp="1" noChangeAspect="1"/>
+          </p:cNvPicPr>
+          <p:nvPr>
+            <p:ph sz="half" idx="2"/>
+          </p:nvPr>
+        </p:nvPicPr>
+        <p:blipFill>
+          <a:blip r:embed="rId2"/>
+          <a:stretch>
+            <a:fillRect/>
+          </a:stretch>
+        </p:blipFill>
+        <p:spPr>
+          <a:xfrm>
+            <a:off x="8891920" y="1825625"/>
+            <a:ext cx="3300080" cy="4351338"/>
+          </a:xfrm>
+        </p:spPr>
+      </p:pic>
+    </p:spTree>
+    <p:extLst>
+      <p:ext uri="{BB962C8B-B14F-4D97-AF65-F5344CB8AC3E}">
+        <p14:creationId xmlns:p14="http://schemas.microsoft.com/office/powerpoint/2010/main" val="91876314"/>
+      </p:ext>
+    </p:extLst>
+  </p:cSld>
+  <p:clrMapOvr>
+    <a:masterClrMapping/>
+  </p:clrMapOvr>
+  <p:timing>
+    <p:tnLst>
+      <p:par>
+        <p:cTn id="1" dur="indefinite" restart="never" nodeType="tmRoot">
+          <p:childTnLst>
+            <p:seq concurrent="1" nextAc="seek">
+              <p:cTn id="2" dur="indefinite" nodeType="mainSeq">
+                <p:childTnLst>
+                  <p:par>
+                    <p:cTn id="3" fill="hold">
+                      <p:stCondLst>
+                        <p:cond delay="indefinite"/>
+                        <p:cond evt="onBegin" delay="0">
+                          <p:tn val="2"/>
+                        </p:cond>
+                      </p:stCondLst>
+                      <p:childTnLst>
+                        <p:par>
+                          <p:cTn id="4" fill="hold">
+                            <p:stCondLst>
+                              <p:cond delay="0"/>
+                            </p:stCondLst>
+                            <p:childTnLst>
+                              <p:par>
+                                <p:cTn id="5" presetID="10" presetClass="entr" presetSubtype="0" fill="hold" grpId="0" nodeType="afterEffect">
+                                  <p:stCondLst>
+                                    <p:cond delay="0"/>
+                                  </p:stCondLst>
+                                  <p:childTnLst>
+                                    <p:set>
+                                      <p:cBhvr>
+                                        <p:cTn id="6" dur="1" fill="hold">
+                                          <p:stCondLst>
+                                            <p:cond delay="0"/>
+                                          </p:stCondLst>
+                                        </p:cTn>
+                                        <p:tgtEl>
+                                          <p:spTgt spid="2"/>
+                                        </p:tgtEl>
+                                        <p:attrNameLst>
+                                          <p:attrName>style.visibility</p:attrName>
+                                        </p:attrNameLst>
+                                      </p:cBhvr>
+                                      <p:to>
+                                        <p:strVal val="visible"/>
+                                      </p:to>
+                                    </p:set>
+                                    <p:animEffect transition="in" filter="fade">
+                                      <p:cBhvr>
+                                        <p:cTn id="7" dur="500"/>
+                                        <p:tgtEl>
+                                          <p:spTgt spid="2"/>
+                                        </p:tgtEl>
+                                      </p:cBhvr>
+                                    </p:animEffect>
+                                  </p:childTnLst>
+                                </p:cTn>
+                              </p:par>
+                            </p:childTnLst>
+                          </p:cTn>
+                        </p:par>
+                      </p:childTnLst>
+                    </p:cTn>
+                  </p:par>
+                  <p:par>
+                    <p:cTn id="8" fill="hold">
+                      <p:stCondLst>
+                        <p:cond delay="indefinite"/>
+                      </p:stCondLst>
+                      <p:childTnLst>
+                        <p:par>
+                          <p:cTn id="9" fill="hold">
+                            <p:stCondLst>
+                              <p:cond delay="0"/>
+                            </p:stCondLst>
+                            <p:childTnLst>
+                              <p:par>
+                                <p:cTn id="10" presetID="10" presetClass="entr" presetSubtype="0" fill="hold" grpId="0" nodeType="clickEffect">
+                                  <p:stCondLst>
+                                    <p:cond delay="0"/>
+                                  </p:stCondLst>
+                                  <p:childTnLst>
+                                    <p:set>
+                                      <p:cBhvr>
+                                        <p:cTn id="11" dur="1" fill="hold">
+                                          <p:stCondLst>
+                                            <p:cond delay="0"/>
+                                          </p:stCondLst>
+                                        </p:cTn>
+                                        <p:tgtEl>
+                                          <p:spTgt spid="3">
+                                            <p:txEl>
+                                              <p:pRg st="0" end="0"/>
+                                            </p:txEl>
+                                          </p:spTgt>
+                                        </p:tgtEl>
+                                        <p:attrNameLst>
+                                          <p:attrName>style.visibility</p:attrName>
+                                        </p:attrNameLst>
+                                      </p:cBhvr>
+                                      <p:to>
+                                        <p:strVal val="visible"/>
+                                      </p:to>
+                                    </p:set>
+                                    <p:animEffect transition="in" filter="fade">
+                                      <p:cBhvr>
+                                        <p:cTn id="12" dur="500"/>
+                                        <p:tgtEl>
+                                          <p:spTgt spid="3">
+                                            <p:txEl>
+                                              <p:pRg st="0" end="0"/>
+                                            </p:txEl>
+                                          </p:spTgt>
+                                        </p:tgtEl>
+                                      </p:cBhvr>
+                                    </p:animEffect>
+                                  </p:childTnLst>
+                                </p:cTn>
+                              </p:par>
+                            </p:childTnLst>
+                          </p:cTn>
+                        </p:par>
+                      </p:childTnLst>
+                    </p:cTn>
+                  </p:par>
+                  <p:par>
+                    <p:cTn id="13" fill="hold">
+                      <p:stCondLst>
+                        <p:cond delay="indefinite"/>
+                      </p:stCondLst>
+                      <p:childTnLst>
+                        <p:par>
+                          <p:cTn id="14" fill="hold">
+                            <p:stCondLst>
+                              <p:cond delay="0"/>
+                            </p:stCondLst>
+                            <p:childTnLst>
+                              <p:par>
+                                <p:cTn id="15" presetID="10" presetClass="entr" presetSubtype="0" fill="hold" grpId="0" nodeType="clickEffect">
+                                  <p:stCondLst>
+                                    <p:cond delay="0"/>
+                                  </p:stCondLst>
+                                  <p:childTnLst>
+                                    <p:set>
+                                      <p:cBhvr>
+                                        <p:cTn id="16" dur="1" fill="hold">
+                                          <p:stCondLst>
+                                            <p:cond delay="0"/>
+                                          </p:stCondLst>
+                                        </p:cTn>
+                                        <p:tgtEl>
+                                          <p:spTgt spid="3">
+                                            <p:txEl>
+                                              <p:pRg st="1" end="1"/>
+                                            </p:txEl>
+                                          </p:spTgt>
+                                        </p:tgtEl>
+                                        <p:attrNameLst>
+                                          <p:attrName>style.visibility</p:attrName>
+                                        </p:attrNameLst>
+                                      </p:cBhvr>
+                                      <p:to>
+                                        <p:strVal val="visible"/>
+                                      </p:to>
+                                    </p:set>
+                                    <p:animEffect transition="in" filter="fade">
+                                      <p:cBhvr>
+                                        <p:cTn id="17" dur="500"/>
+                                        <p:tgtEl>
+                                          <p:spTgt spid="3">
+                                            <p:txEl>
+                                              <p:pRg st="1" end="1"/>
+                                            </p:txEl>
+                                          </p:spTgt>
+                                        </p:tgtEl>
+                                      </p:cBhvr>
+                                    </p:animEffect>
+                                  </p:childTnLst>
+                                </p:cTn>
+                              </p:par>
+                            </p:childTnLst>
+                          </p:cTn>
+                        </p:par>
+                      </p:childTnLst>
+                    </p:cTn>
+                  </p:par>
+                  <p:par>
+                    <p:cTn id="18" fill="hold">
+                      <p:stCondLst>
+                        <p:cond delay="indefinite"/>
+                      </p:stCondLst>
+                      <p:childTnLst>
+                        <p:par>
+                          <p:cTn id="19" fill="hold">
+                            <p:stCondLst>
+                              <p:cond delay="0"/>
+                            </p:stCondLst>
+                            <p:childTnLst>
+                              <p:par>
+                                <p:cTn id="20" presetID="10" presetClass="entr" presetSubtype="0" fill="hold" grpId="0" nodeType="clickEffect">
+                                  <p:stCondLst>
+                                    <p:cond delay="0"/>
+                                  </p:stCondLst>
+                                  <p:childTnLst>
+                                    <p:set>
+                                      <p:cBhvr>
+                                        <p:cTn id="21" dur="1" fill="hold">
+                                          <p:stCondLst>
+                                            <p:cond delay="0"/>
+                                          </p:stCondLst>
+                                        </p:cTn>
+                                        <p:tgtEl>
+                                          <p:spTgt spid="3">
+                                            <p:txEl>
+                                              <p:pRg st="2" end="2"/>
+                                            </p:txEl>
+                                          </p:spTgt>
+                                        </p:tgtEl>
+                                        <p:attrNameLst>
+                                          <p:attrName>style.visibility</p:attrName>
+                                        </p:attrNameLst>
+                                      </p:cBhvr>
+                                      <p:to>
+                                        <p:strVal val="visible"/>
+                                      </p:to>
+                                    </p:set>
+                                    <p:animEffect transition="in" filter="fade">
+                                      <p:cBhvr>
+                                        <p:cTn id="22" dur="500"/>
+                                        <p:tgtEl>
+                                          <p:spTgt spid="3">
+                                            <p:txEl>
+                                              <p:pRg st="2" end="2"/>
+                                            </p:txEl>
+                                          </p:spTgt>
+                                        </p:tgtEl>
+                                      </p:cBhvr>
+                                    </p:animEffect>
+                                  </p:childTnLst>
+                                </p:cTn>
+                              </p:par>
+                            </p:childTnLst>
+                          </p:cTn>
+                        </p:par>
+                      </p:childTnLst>
+                    </p:cTn>
+                  </p:par>
+                  <p:par>
+                    <p:cTn id="23" fill="hold">
+                      <p:stCondLst>
+                        <p:cond delay="indefinite"/>
+                      </p:stCondLst>
+                      <p:childTnLst>
+                        <p:par>
+                          <p:cTn id="24" fill="hold">
+                            <p:stCondLst>
+                              <p:cond delay="0"/>
+                            </p:stCondLst>
+                            <p:childTnLst>
+                              <p:par>
+                                <p:cTn id="25" presetID="10" presetClass="exit" presetSubtype="0" fill="hold" grpId="1" nodeType="clickEffect">
+                                  <p:stCondLst>
+                                    <p:cond delay="0"/>
+                                  </p:stCondLst>
+                                  <p:childTnLst>
+                                    <p:animEffect transition="out" filter="fade">
+                                      <p:cBhvr>
+                                        <p:cTn id="26" dur="500"/>
+                                        <p:tgtEl>
+                                          <p:spTgt spid="3">
+                                            <p:txEl>
+                                              <p:pRg st="0" end="0"/>
+                                            </p:txEl>
+                                          </p:spTgt>
+                                        </p:tgtEl>
+                                      </p:cBhvr>
+                                    </p:animEffect>
+                                    <p:set>
+                                      <p:cBhvr>
+                                        <p:cTn id="27" dur="1" fill="hold">
+                                          <p:stCondLst>
+                                            <p:cond delay="499"/>
+                                          </p:stCondLst>
+                                        </p:cTn>
+                                        <p:tgtEl>
+                                          <p:spTgt spid="3">
+                                            <p:txEl>
+                                              <p:pRg st="0" end="0"/>
+                                            </p:txEl>
+                                          </p:spTgt>
+                                        </p:tgtEl>
+                                        <p:attrNameLst>
+                                          <p:attrName>style.visibility</p:attrName>
+                                        </p:attrNameLst>
+                                      </p:cBhvr>
+                                      <p:to>
+                                        <p:strVal val="hidden"/>
+                                      </p:to>
+                                    </p:set>
+                                  </p:childTnLst>
+                                </p:cTn>
+                              </p:par>
+                              <p:par>
+                                <p:cTn id="28" presetID="10" presetClass="exit" presetSubtype="0" fill="hold" grpId="1" nodeType="withEffect">
+                                  <p:stCondLst>
+                                    <p:cond delay="0"/>
+                                  </p:stCondLst>
+                                  <p:childTnLst>
+                                    <p:animEffect transition="out" filter="fade">
+                                      <p:cBhvr>
+                                        <p:cTn id="29" dur="500"/>
+                                        <p:tgtEl>
+                                          <p:spTgt spid="3">
+                                            <p:txEl>
+                                              <p:pRg st="1" end="1"/>
+                                            </p:txEl>
+                                          </p:spTgt>
+                                        </p:tgtEl>
+                                      </p:cBhvr>
+                                    </p:animEffect>
+                                    <p:set>
+                                      <p:cBhvr>
+                                        <p:cTn id="30" dur="1" fill="hold">
+                                          <p:stCondLst>
+                                            <p:cond delay="499"/>
+                                          </p:stCondLst>
+                                        </p:cTn>
+                                        <p:tgtEl>
+                                          <p:spTgt spid="3">
+                                            <p:txEl>
+                                              <p:pRg st="1" end="1"/>
+                                            </p:txEl>
+                                          </p:spTgt>
+                                        </p:tgtEl>
+                                        <p:attrNameLst>
+                                          <p:attrName>style.visibility</p:attrName>
+                                        </p:attrNameLst>
+                                      </p:cBhvr>
+                                      <p:to>
+                                        <p:strVal val="hidden"/>
+                                      </p:to>
+                                    </p:set>
+                                  </p:childTnLst>
+                                </p:cTn>
+                              </p:par>
+                              <p:par>
+                                <p:cTn id="31" presetID="10" presetClass="exit" presetSubtype="0" fill="hold" grpId="1" nodeType="withEffect">
+                                  <p:stCondLst>
+                                    <p:cond delay="0"/>
+                                  </p:stCondLst>
+                                  <p:childTnLst>
+                                    <p:animEffect transition="out" filter="fade">
+                                      <p:cBhvr>
+                                        <p:cTn id="32" dur="500"/>
+                                        <p:tgtEl>
+                                          <p:spTgt spid="3">
+                                            <p:txEl>
+                                              <p:pRg st="2" end="2"/>
+                                            </p:txEl>
+                                          </p:spTgt>
+                                        </p:tgtEl>
+                                      </p:cBhvr>
+                                    </p:animEffect>
+                                    <p:set>
+                                      <p:cBhvr>
+                                        <p:cTn id="33" dur="1" fill="hold">
+                                          <p:stCondLst>
+                                            <p:cond delay="499"/>
+                                          </p:stCondLst>
+                                        </p:cTn>
+                                        <p:tgtEl>
+                                          <p:spTgt spid="3">
+                                            <p:txEl>
+                                              <p:pRg st="2" end="2"/>
+                                            </p:txEl>
+                                          </p:spTgt>
+                                        </p:tgtEl>
+                                        <p:attrNameLst>
+                                          <p:attrName>style.visibility</p:attrName>
+                                        </p:attrNameLst>
+                                      </p:cBhvr>
+                                      <p:to>
+                                        <p:strVal val="hidden"/>
+                                      </p:to>
+                                    </p:set>
+                                  </p:childTnLst>
+                                </p:cTn>
+                              </p:par>
+                              <p:par>
+                                <p:cTn id="34" presetID="10" presetClass="exit" presetSubtype="0" fill="hold" grpId="1" nodeType="withEffect">
+                                  <p:stCondLst>
+                                    <p:cond delay="0"/>
+                                  </p:stCondLst>
+                                  <p:childTnLst>
+                                    <p:animEffect transition="out" filter="fade">
+                                      <p:cBhvr>
+                                        <p:cTn id="35" dur="500"/>
+                                        <p:tgtEl>
+                                          <p:spTgt spid="2"/>
+                                        </p:tgtEl>
+                                      </p:cBhvr>
+                                    </p:animEffect>
+                                    <p:set>
+                                      <p:cBhvr>
+                                        <p:cTn id="36" dur="1" fill="hold">
+                                          <p:stCondLst>
+                                            <p:cond delay="499"/>
+                                          </p:stCondLst>
+                                        </p:cTn>
+                                        <p:tgtEl>
+                                          <p:spTgt spid="2"/>
+                                        </p:tgtEl>
+                                        <p:attrNameLst>
+                                          <p:attrName>style.visibility</p:attrName>
+                                        </p:attrNameLst>
+                                      </p:cBhvr>
+                                      <p:to>
+                                        <p:strVal val="hidden"/>
+                                      </p:to>
+                                    </p:set>
+                                  </p:childTnLst>
+                                </p:cTn>
+                              </p:par>
+                            </p:childTnLst>
+                          </p:cTn>
+                        </p:par>
+                      </p:childTnLst>
+                    </p:cTn>
+                  </p:par>
+                </p:childTnLst>
+              </p:cTn>
+              <p:prevCondLst>
+                <p:cond evt="onPrev" delay="0">
+                  <p:tgtEl>
+                    <p:sldTgt/>
+                  </p:tgtEl>
+                </p:cond>
+              </p:prevCondLst>
+              <p:nextCondLst>
+                <p:cond evt="onNext" delay="0">
+                  <p:tgtEl>
+                    <p:sldTgt/>
+                  </p:tgtEl>
+                </p:cond>
+              </p:nextCondLst>
+            </p:seq>
+          </p:childTnLst>
+        </p:cTn>
+      </p:par>
+    </p:tnLst>
+    <p:bldLst>
+      <p:bldP spid="2" grpId="0"/>
+      <p:bldP spid="2" grpId="1"/>
+      <p:bldP spid="3" grpId="0" build="p"/>
+      <p:bldP spid="3" grpId="1" uiExpand="1" build="p"/>
+    </p:bldLst>
+  </p:timing>
+</p:sld>
+</file>
+
+<file path=ppt/slides/slide3.xml><?xml version="1.0" encoding="utf-8"?>
+<p:sld xmlns:a="http://schemas.openxmlformats.org/drawingml/2006/main" xmlns:r="http://schemas.openxmlformats.org/officeDocument/2006/relationships" xmlns:p="http://schemas.openxmlformats.org/presentationml/2006/main">
+  <p:cSld>
+    <p:spTree>
+      <p:nvGrpSpPr>
+        <p:cNvPr id="1" name=""/>
+        <p:cNvGrpSpPr/>
+        <p:nvPr/>
+      </p:nvGrpSpPr>
+      <p:grpSpPr>
+        <a:xfrm>
+          <a:off x="0" y="0"/>
+          <a:ext cx="0" cy="0"/>
+          <a:chOff x="0" y="0"/>
+          <a:chExt cx="0" cy="0"/>
+        </a:xfrm>
+      </p:grpSpPr>
+      <p:sp>
+        <p:nvSpPr>
+          <p:cNvPr id="2" name="Заголовок 1">
+            <a:extLst>
+              <a:ext uri="{FF2B5EF4-FFF2-40B4-BE49-F238E27FC236}">
+                <a16:creationId xmlns:a16="http://schemas.microsoft.com/office/drawing/2014/main" id="{BA7E7C51-D423-4728-B3AF-8FC53D84E302}"/>
+              </a:ext>
+            </a:extLst>
+          </p:cNvPr>
+          <p:cNvSpPr>
+            <a:spLocks noGrp="1"/>
+          </p:cNvSpPr>
+          <p:nvPr>
+            <p:ph type="title"/>
+          </p:nvPr>
+        </p:nvSpPr>
+        <p:spPr/>
+        <p:txBody>
+          <a:bodyPr/>
+          <a:lstStyle/>
+          <a:p>
+            <a:r>
+              <a:rPr lang="ru-RU" dirty="0"/>
+              <a:t>Настройки</a:t>
+            </a:r>
+          </a:p>
+        </p:txBody>
+      </p:sp>
+      <p:sp>
+        <p:nvSpPr>
+          <p:cNvPr id="3" name="Объект 2">
+            <a:extLst>
+              <a:ext uri="{FF2B5EF4-FFF2-40B4-BE49-F238E27FC236}">
+                <a16:creationId xmlns:a16="http://schemas.microsoft.com/office/drawing/2014/main" id="{56271080-B7C9-4A08-AEE5-D5CD28EC6E46}"/>
+              </a:ext>
+            </a:extLst>
+          </p:cNvPr>
+          <p:cNvSpPr>
+            <a:spLocks noGrp="1"/>
+          </p:cNvSpPr>
+          <p:nvPr>
+            <p:ph sz="half" idx="1"/>
+          </p:nvPr>
+        </p:nvSpPr>
+        <p:spPr>
+          <a:xfrm>
+            <a:off x="838200" y="1825625"/>
+            <a:ext cx="8062060" cy="4351338"/>
+          </a:xfrm>
+        </p:spPr>
+        <p:txBody>
+          <a:bodyPr/>
+          <a:lstStyle/>
+          <a:p>
+            <a:r>
+              <a:rPr lang="ru-RU" dirty="0"/>
+              <a:t>Настройки в игре организованы так: из конфигурационного файла на экран печатаются параметры, которые можно менять стрелочками. При нажатии кнопки «Применить», настройки сохраняются в файл.</a:t>
+            </a:r>
+          </a:p>
+          <a:p>
+            <a:r>
+              <a:rPr lang="ru-RU" dirty="0"/>
+              <a:t>Кнопки в опасной зоне восстанавливают файлы</a:t>
+            </a:r>
+          </a:p>
+        </p:txBody>
+      </p:sp>
+      <p:pic>
+        <p:nvPicPr>
+          <p:cNvPr id="6" name="Объект 5">
+            <a:extLst>
+              <a:ext uri="{FF2B5EF4-FFF2-40B4-BE49-F238E27FC236}">
+                <a16:creationId xmlns:a16="http://schemas.microsoft.com/office/drawing/2014/main" id="{F049FD8A-8E74-4EE7-AD7B-ED63AA501E43}"/>
+              </a:ext>
+            </a:extLst>
+          </p:cNvPr>
+          <p:cNvPicPr>
+            <a:picLocks noGrp="1" noChangeAspect="1"/>
+          </p:cNvPicPr>
+          <p:nvPr>
+            <p:ph sz="half" idx="2"/>
+          </p:nvPr>
+        </p:nvPicPr>
+        <p:blipFill>
+          <a:blip r:embed="rId2"/>
+          <a:stretch>
+            <a:fillRect/>
+          </a:stretch>
+        </p:blipFill>
+        <p:spPr>
+          <a:xfrm>
+            <a:off x="8900259" y="1825625"/>
+            <a:ext cx="3291741" cy="4351338"/>
+          </a:xfrm>
+        </p:spPr>
+      </p:pic>
+    </p:spTree>
+    <p:extLst>
+      <p:ext uri="{BB962C8B-B14F-4D97-AF65-F5344CB8AC3E}">
+        <p14:creationId xmlns:p14="http://schemas.microsoft.com/office/powerpoint/2010/main" val="1067089357"/>
+      </p:ext>
+    </p:extLst>
+  </p:cSld>
+  <p:clrMapOvr>
+    <a:masterClrMapping/>
+  </p:clrMapOvr>
+  <p:timing>
+    <p:tnLst>
+      <p:par>
+        <p:cTn id="1" dur="indefinite" restart="never" nodeType="tmRoot">
+          <p:childTnLst>
+            <p:seq concurrent="1" nextAc="seek">
+              <p:cTn id="2" dur="indefinite" nodeType="mainSeq">
+                <p:childTnLst>
+                  <p:par>
+                    <p:cTn id="3" fill="hold">
+                      <p:stCondLst>
+                        <p:cond delay="indefinite"/>
+                        <p:cond evt="onBegin" delay="0">
+                          <p:tn val="2"/>
+                        </p:cond>
+                      </p:stCondLst>
+                      <p:childTnLst>
+                        <p:par>
+                          <p:cTn id="4" fill="hold">
+                            <p:stCondLst>
+                              <p:cond delay="0"/>
+                            </p:stCondLst>
+                            <p:childTnLst>
+                              <p:par>
+                                <p:cTn id="5" presetID="10" presetClass="entr" presetSubtype="0" fill="hold" grpId="0" nodeType="afterEffect">
+                                  <p:stCondLst>
+                                    <p:cond delay="0"/>
+                                  </p:stCondLst>
+                                  <p:childTnLst>
+                                    <p:set>
+                                      <p:cBhvr>
+                                        <p:cTn id="6" dur="1" fill="hold">
+                                          <p:stCondLst>
+                                            <p:cond delay="0"/>
+                                          </p:stCondLst>
+                                        </p:cTn>
+                                        <p:tgtEl>
+                                          <p:spTgt spid="2"/>
+                                        </p:tgtEl>
+                                        <p:attrNameLst>
+                                          <p:attrName>style.visibility</p:attrName>
+                                        </p:attrNameLst>
+                                      </p:cBhvr>
+                                      <p:to>
+                                        <p:strVal val="visible"/>
+                                      </p:to>
+                                    </p:set>
+                                    <p:animEffect transition="in" filter="fade">
+                                      <p:cBhvr>
+                                        <p:cTn id="7" dur="500"/>
+                                        <p:tgtEl>
+                                          <p:spTgt spid="2"/>
+                                        </p:tgtEl>
+                                      </p:cBhvr>
+                                    </p:animEffect>
+                                  </p:childTnLst>
+                                </p:cTn>
+                              </p:par>
+                            </p:childTnLst>
+                          </p:cTn>
+                        </p:par>
+                      </p:childTnLst>
+                    </p:cTn>
+                  </p:par>
+                  <p:par>
+                    <p:cTn id="8" fill="hold">
+                      <p:stCondLst>
+                        <p:cond delay="indefinite"/>
+                      </p:stCondLst>
+                      <p:childTnLst>
+                        <p:par>
+                          <p:cTn id="9" fill="hold">
+                            <p:stCondLst>
+                              <p:cond delay="0"/>
+                            </p:stCondLst>
+                            <p:childTnLst>
+                              <p:par>
+                                <p:cTn id="10" presetID="10" presetClass="entr" presetSubtype="0" fill="hold" grpId="0" nodeType="clickEffect">
+                                  <p:stCondLst>
+                                    <p:cond delay="0"/>
+                                  </p:stCondLst>
+                                  <p:childTnLst>
+                                    <p:set>
+                                      <p:cBhvr>
+                                        <p:cTn id="11" dur="1" fill="hold">
+                                          <p:stCondLst>
+                                            <p:cond delay="0"/>
+                                          </p:stCondLst>
+                                        </p:cTn>
+                                        <p:tgtEl>
+                                          <p:spTgt spid="3">
+                                            <p:txEl>
+                                              <p:pRg st="0" end="0"/>
+                                            </p:txEl>
+                                          </p:spTgt>
+                                        </p:tgtEl>
+                                        <p:attrNameLst>
+                                          <p:attrName>style.visibility</p:attrName>
+                                        </p:attrNameLst>
+                                      </p:cBhvr>
+                                      <p:to>
+                                        <p:strVal val="visible"/>
+                                      </p:to>
+                                    </p:set>
+                                    <p:animEffect transition="in" filter="fade">
+                                      <p:cBhvr>
+                                        <p:cTn id="12" dur="500"/>
+                                        <p:tgtEl>
+                                          <p:spTgt spid="3">
+                                            <p:txEl>
+                                              <p:pRg st="0" end="0"/>
+                                            </p:txEl>
+                                          </p:spTgt>
+                                        </p:tgtEl>
+                                      </p:cBhvr>
+                                    </p:animEffect>
+                                  </p:childTnLst>
+                                </p:cTn>
+                              </p:par>
+                            </p:childTnLst>
+                          </p:cTn>
+                        </p:par>
+                      </p:childTnLst>
+                    </p:cTn>
+                  </p:par>
+                  <p:par>
+                    <p:cTn id="13" fill="hold">
+                      <p:stCondLst>
+                        <p:cond delay="indefinite"/>
+                      </p:stCondLst>
+                      <p:childTnLst>
+                        <p:par>
+                          <p:cTn id="14" fill="hold">
+                            <p:stCondLst>
+                              <p:cond delay="0"/>
+                            </p:stCondLst>
+                            <p:childTnLst>
+                              <p:par>
+                                <p:cTn id="15" presetID="10" presetClass="entr" presetSubtype="0" fill="hold" grpId="0" nodeType="clickEffect">
+                                  <p:stCondLst>
+                                    <p:cond delay="0"/>
+                                  </p:stCondLst>
+                                  <p:childTnLst>
+                                    <p:set>
+                                      <p:cBhvr>
+                                        <p:cTn id="16" dur="1" fill="hold">
+                                          <p:stCondLst>
+                                            <p:cond delay="0"/>
+                                          </p:stCondLst>
+                                        </p:cTn>
+                                        <p:tgtEl>
+                                          <p:spTgt spid="3">
+                                            <p:txEl>
+                                              <p:pRg st="1" end="1"/>
+                                            </p:txEl>
+                                          </p:spTgt>
+                                        </p:tgtEl>
+                                        <p:attrNameLst>
+                                          <p:attrName>style.visibility</p:attrName>
+                                        </p:attrNameLst>
+                                      </p:cBhvr>
+                                      <p:to>
+                                        <p:strVal val="visible"/>
+                                      </p:to>
+                                    </p:set>
+                                    <p:animEffect transition="in" filter="fade">
+                                      <p:cBhvr>
+                                        <p:cTn id="17" dur="500"/>
+                                        <p:tgtEl>
+                                          <p:spTgt spid="3">
+                                            <p:txEl>
+                                              <p:pRg st="1" end="1"/>
+                                            </p:txEl>
+                                          </p:spTgt>
+                                        </p:tgtEl>
+                                      </p:cBhvr>
+                                    </p:animEffect>
+                                  </p:childTnLst>
+                                </p:cTn>
+                              </p:par>
+                            </p:childTnLst>
+                          </p:cTn>
+                        </p:par>
+                      </p:childTnLst>
+                    </p:cTn>
+                  </p:par>
+                  <p:par>
+                    <p:cTn id="18" fill="hold">
+                      <p:stCondLst>
+                        <p:cond delay="indefinite"/>
+                      </p:stCondLst>
+                      <p:childTnLst>
+                        <p:par>
+                          <p:cTn id="19" fill="hold">
+                            <p:stCondLst>
+                              <p:cond delay="0"/>
+                            </p:stCondLst>
+                            <p:childTnLst>
+                              <p:par>
+                                <p:cTn id="20" presetID="10" presetClass="exit" presetSubtype="0" fill="hold" grpId="1" nodeType="clickEffect">
+                                  <p:stCondLst>
+                                    <p:cond delay="0"/>
+                                  </p:stCondLst>
+                                  <p:childTnLst>
+                                    <p:animEffect transition="out" filter="fade">
+                                      <p:cBhvr>
+                                        <p:cTn id="21" dur="500"/>
+                                        <p:tgtEl>
+                                          <p:spTgt spid="3">
+                                            <p:txEl>
+                                              <p:pRg st="0" end="0"/>
+                                            </p:txEl>
+                                          </p:spTgt>
+                                        </p:tgtEl>
+                                      </p:cBhvr>
+                                    </p:animEffect>
+                                    <p:set>
+                                      <p:cBhvr>
+                                        <p:cTn id="22" dur="1" fill="hold">
+                                          <p:stCondLst>
+                                            <p:cond delay="499"/>
+                                          </p:stCondLst>
+                                        </p:cTn>
+                                        <p:tgtEl>
+                                          <p:spTgt spid="3">
+                                            <p:txEl>
+                                              <p:pRg st="0" end="0"/>
+                                            </p:txEl>
+                                          </p:spTgt>
+                                        </p:tgtEl>
+                                        <p:attrNameLst>
+                                          <p:attrName>style.visibility</p:attrName>
+                                        </p:attrNameLst>
+                                      </p:cBhvr>
+                                      <p:to>
+                                        <p:strVal val="hidden"/>
+                                      </p:to>
+                                    </p:set>
+                                  </p:childTnLst>
+                                </p:cTn>
+                              </p:par>
+                              <p:par>
+                                <p:cTn id="23" presetID="10" presetClass="exit" presetSubtype="0" fill="hold" grpId="1" nodeType="withEffect">
+                                  <p:stCondLst>
+                                    <p:cond delay="0"/>
+                                  </p:stCondLst>
+                                  <p:childTnLst>
+                                    <p:animEffect transition="out" filter="fade">
+                                      <p:cBhvr>
+                                        <p:cTn id="24" dur="500"/>
+                                        <p:tgtEl>
+                                          <p:spTgt spid="3">
+                                            <p:txEl>
+                                              <p:pRg st="1" end="1"/>
+                                            </p:txEl>
+                                          </p:spTgt>
+                                        </p:tgtEl>
+                                      </p:cBhvr>
+                                    </p:animEffect>
+                                    <p:set>
+                                      <p:cBhvr>
+                                        <p:cTn id="25" dur="1" fill="hold">
+                                          <p:stCondLst>
+                                            <p:cond delay="499"/>
+                                          </p:stCondLst>
+                                        </p:cTn>
+                                        <p:tgtEl>
+                                          <p:spTgt spid="3">
+                                            <p:txEl>
+                                              <p:pRg st="1" end="1"/>
+                                            </p:txEl>
+                                          </p:spTgt>
+                                        </p:tgtEl>
+                                        <p:attrNameLst>
+                                          <p:attrName>style.visibility</p:attrName>
+                                        </p:attrNameLst>
+                                      </p:cBhvr>
+                                      <p:to>
+                                        <p:strVal val="hidden"/>
+                                      </p:to>
+                                    </p:set>
+                                  </p:childTnLst>
+                                </p:cTn>
+                              </p:par>
+                              <p:par>
+                                <p:cTn id="26" presetID="10" presetClass="exit" presetSubtype="0" fill="hold" grpId="1" nodeType="withEffect">
+                                  <p:stCondLst>
+                                    <p:cond delay="0"/>
+                                  </p:stCondLst>
+                                  <p:childTnLst>
+                                    <p:animEffect transition="out" filter="fade">
+                                      <p:cBhvr>
+                                        <p:cTn id="27" dur="500"/>
+                                        <p:tgtEl>
+                                          <p:spTgt spid="2"/>
+                                        </p:tgtEl>
+                                      </p:cBhvr>
+                                    </p:animEffect>
+                                    <p:set>
+                                      <p:cBhvr>
+                                        <p:cTn id="28" dur="1" fill="hold">
+                                          <p:stCondLst>
+                                            <p:cond delay="499"/>
+                                          </p:stCondLst>
+                                        </p:cTn>
+                                        <p:tgtEl>
+                                          <p:spTgt spid="2"/>
+                                        </p:tgtEl>
+                                        <p:attrNameLst>
+                                          <p:attrName>style.visibility</p:attrName>
+                                        </p:attrNameLst>
+                                      </p:cBhvr>
+                                      <p:to>
+                                        <p:strVal val="hidden"/>
+                                      </p:to>
+                                    </p:set>
+                                  </p:childTnLst>
+                                </p:cTn>
+                              </p:par>
+                            </p:childTnLst>
+                          </p:cTn>
+                        </p:par>
+                      </p:childTnLst>
+                    </p:cTn>
+                  </p:par>
+                </p:childTnLst>
+              </p:cTn>
+              <p:prevCondLst>
+                <p:cond evt="onPrev" delay="0">
+                  <p:tgtEl>
+                    <p:sldTgt/>
+                  </p:tgtEl>
+                </p:cond>
+              </p:prevCondLst>
+              <p:nextCondLst>
+                <p:cond evt="onNext" delay="0">
+                  <p:tgtEl>
+                    <p:sldTgt/>
+                  </p:tgtEl>
+                </p:cond>
+              </p:nextCondLst>
+            </p:seq>
+          </p:childTnLst>
+        </p:cTn>
+      </p:par>
+    </p:tnLst>
+    <p:bldLst>
+      <p:bldP spid="2" grpId="0"/>
+      <p:bldP spid="2" grpId="1"/>
+      <p:bldP spid="3" grpId="0" uiExpand="1" build="p"/>
+      <p:bldP spid="3" grpId="1" uiExpand="1" build="p"/>
+    </p:bldLst>
+  </p:timing>
+</p:sld>
+</file>
+
+<file path=ppt/slides/slide4.xml><?xml version="1.0" encoding="utf-8"?>
+<p:sld xmlns:a="http://schemas.openxmlformats.org/drawingml/2006/main" xmlns:r="http://schemas.openxmlformats.org/officeDocument/2006/relationships" xmlns:p="http://schemas.openxmlformats.org/presentationml/2006/main">
+  <p:cSld>
+    <p:spTree>
+      <p:nvGrpSpPr>
+        <p:cNvPr id="1" name=""/>
+        <p:cNvGrpSpPr/>
+        <p:nvPr/>
+      </p:nvGrpSpPr>
+      <p:grpSpPr>
+        <a:xfrm>
+          <a:off x="0" y="0"/>
+          <a:ext cx="0" cy="0"/>
+          <a:chOff x="0" y="0"/>
+          <a:chExt cx="0" cy="0"/>
+        </a:xfrm>
+      </p:grpSpPr>
+      <p:sp>
+        <p:nvSpPr>
+          <p:cNvPr id="2" name="Заголовок 1">
+            <a:extLst>
+              <a:ext uri="{FF2B5EF4-FFF2-40B4-BE49-F238E27FC236}">
+                <a16:creationId xmlns:a16="http://schemas.microsoft.com/office/drawing/2014/main" id="{A412FC7E-9616-48D7-B0E4-7B4F2B58CF49}"/>
+              </a:ext>
+            </a:extLst>
+          </p:cNvPr>
+          <p:cNvSpPr>
+            <a:spLocks noGrp="1"/>
+          </p:cNvSpPr>
+          <p:nvPr>
+            <p:ph type="title"/>
+          </p:nvPr>
+        </p:nvSpPr>
+        <p:spPr/>
+        <p:txBody>
+          <a:bodyPr/>
+          <a:lstStyle/>
+          <a:p>
+            <a:r>
+              <a:rPr lang="ru-RU" dirty="0"/>
+              <a:t>Достижения</a:t>
+            </a:r>
+          </a:p>
+        </p:txBody>
+      </p:sp>
+      <p:sp>
+        <p:nvSpPr>
+          <p:cNvPr id="7" name="Объект 6">
+            <a:extLst>
+              <a:ext uri="{FF2B5EF4-FFF2-40B4-BE49-F238E27FC236}">
+                <a16:creationId xmlns:a16="http://schemas.microsoft.com/office/drawing/2014/main" id="{63DF7FF1-EE56-47C2-9B43-617C9776F249}"/>
+              </a:ext>
+            </a:extLst>
+          </p:cNvPr>
+          <p:cNvSpPr>
+            <a:spLocks noGrp="1"/>
+          </p:cNvSpPr>
+          <p:nvPr>
+            <p:ph sz="half" idx="1"/>
+          </p:nvPr>
+        </p:nvSpPr>
+        <p:spPr>
+          <a:xfrm>
+            <a:off x="838199" y="1825625"/>
+            <a:ext cx="8049605" cy="4351338"/>
+          </a:xfrm>
+        </p:spPr>
+        <p:txBody>
+          <a:bodyPr/>
+          <a:lstStyle/>
+          <a:p>
+            <a:r>
+              <a:rPr lang="ru-RU" dirty="0"/>
+              <a:t>Достижения получаются из базы данных, и отображаются на экране</a:t>
+            </a:r>
+          </a:p>
+          <a:p>
+            <a:r>
+              <a:rPr lang="ru-RU" dirty="0"/>
+              <a:t>Скучать в игре не придётся, так как достижений более 20, а за каждое выполненное достижение очки добавляются</a:t>
+            </a:r>
+          </a:p>
+        </p:txBody>
+      </p:sp>
+      <p:pic>
+        <p:nvPicPr>
+          <p:cNvPr id="6" name="Объект 5">
+            <a:extLst>
+              <a:ext uri="{FF2B5EF4-FFF2-40B4-BE49-F238E27FC236}">
+                <a16:creationId xmlns:a16="http://schemas.microsoft.com/office/drawing/2014/main" id="{838D9CC3-7A45-490A-B389-D60EAEDE1D6C}"/>
+              </a:ext>
+            </a:extLst>
+          </p:cNvPr>
+          <p:cNvPicPr>
+            <a:picLocks noGrp="1" noChangeAspect="1"/>
+          </p:cNvPicPr>
+          <p:nvPr>
+            <p:ph sz="half" idx="2"/>
+          </p:nvPr>
+        </p:nvPicPr>
+        <p:blipFill>
+          <a:blip r:embed="rId2"/>
+          <a:stretch>
+            <a:fillRect/>
+          </a:stretch>
+        </p:blipFill>
+        <p:spPr>
+          <a:xfrm>
+            <a:off x="8887805" y="1825625"/>
+            <a:ext cx="3304195" cy="4351338"/>
+          </a:xfrm>
+        </p:spPr>
+      </p:pic>
+    </p:spTree>
+    <p:extLst>
+      <p:ext uri="{BB962C8B-B14F-4D97-AF65-F5344CB8AC3E}">
+        <p14:creationId xmlns:p14="http://schemas.microsoft.com/office/powerpoint/2010/main" val="3873131442"/>
+      </p:ext>
+    </p:extLst>
+  </p:cSld>
+  <p:clrMapOvr>
+    <a:masterClrMapping/>
+  </p:clrMapOvr>
+  <p:timing>
+    <p:tnLst>
+      <p:par>
+        <p:cTn id="1" dur="indefinite" restart="never" nodeType="tmRoot">
+          <p:childTnLst>
+            <p:seq concurrent="1" nextAc="seek">
+              <p:cTn id="2" dur="indefinite" nodeType="mainSeq">
+                <p:childTnLst>
+                  <p:par>
+                    <p:cTn id="3" fill="hold">
+                      <p:stCondLst>
+                        <p:cond delay="indefinite"/>
+                        <p:cond evt="onBegin" delay="0">
+                          <p:tn val="2"/>
+                        </p:cond>
+                      </p:stCondLst>
+                      <p:childTnLst>
+                        <p:par>
+                          <p:cTn id="4" fill="hold">
+                            <p:stCondLst>
+                              <p:cond delay="0"/>
+                            </p:stCondLst>
+                            <p:childTnLst>
+                              <p:par>
+                                <p:cTn id="5" presetID="10" presetClass="entr" presetSubtype="0" fill="hold" grpId="0" nodeType="afterEffect">
+                                  <p:stCondLst>
+                                    <p:cond delay="0"/>
+                                  </p:stCondLst>
+                                  <p:childTnLst>
+                                    <p:set>
+                                      <p:cBhvr>
+                                        <p:cTn id="6" dur="1" fill="hold">
+                                          <p:stCondLst>
+                                            <p:cond delay="0"/>
+                                          </p:stCondLst>
+                                        </p:cTn>
+                                        <p:tgtEl>
+                                          <p:spTgt spid="2"/>
+                                        </p:tgtEl>
+                                        <p:attrNameLst>
+                                          <p:attrName>style.visibility</p:attrName>
+                                        </p:attrNameLst>
+                                      </p:cBhvr>
+                                      <p:to>
+                                        <p:strVal val="visible"/>
+                                      </p:to>
+                                    </p:set>
+                                    <p:animEffect transition="in" filter="fade">
+                                      <p:cBhvr>
+                                        <p:cTn id="7" dur="500"/>
+                                        <p:tgtEl>
+                                          <p:spTgt spid="2"/>
+                                        </p:tgtEl>
+                                      </p:cBhvr>
+                                    </p:animEffect>
+                                  </p:childTnLst>
+                                </p:cTn>
+                              </p:par>
+                            </p:childTnLst>
+                          </p:cTn>
+                        </p:par>
+                      </p:childTnLst>
+                    </p:cTn>
+                  </p:par>
+                  <p:par>
+                    <p:cTn id="8" fill="hold">
+                      <p:stCondLst>
+                        <p:cond delay="indefinite"/>
+                      </p:stCondLst>
+                      <p:childTnLst>
+                        <p:par>
+                          <p:cTn id="9" fill="hold">
+                            <p:stCondLst>
+                              <p:cond delay="0"/>
+                            </p:stCondLst>
+                            <p:childTnLst>
+                              <p:par>
+                                <p:cTn id="10" presetID="10" presetClass="entr" presetSubtype="0" fill="hold" grpId="0" nodeType="clickEffect">
+                                  <p:stCondLst>
+                                    <p:cond delay="0"/>
+                                  </p:stCondLst>
+                                  <p:childTnLst>
+                                    <p:set>
+                                      <p:cBhvr>
+                                        <p:cTn id="11" dur="1" fill="hold">
+                                          <p:stCondLst>
+                                            <p:cond delay="0"/>
+                                          </p:stCondLst>
+                                        </p:cTn>
+                                        <p:tgtEl>
+                                          <p:spTgt spid="7">
+                                            <p:txEl>
+                                              <p:pRg st="0" end="0"/>
+                                            </p:txEl>
+                                          </p:spTgt>
+                                        </p:tgtEl>
+                                        <p:attrNameLst>
+                                          <p:attrName>style.visibility</p:attrName>
+                                        </p:attrNameLst>
+                                      </p:cBhvr>
+                                      <p:to>
+                                        <p:strVal val="visible"/>
+                                      </p:to>
+                                    </p:set>
+                                    <p:animEffect transition="in" filter="fade">
+                                      <p:cBhvr>
+                                        <p:cTn id="12" dur="500"/>
+                                        <p:tgtEl>
+                                          <p:spTgt spid="7">
+                                            <p:txEl>
+                                              <p:pRg st="0" end="0"/>
+                                            </p:txEl>
+                                          </p:spTgt>
+                                        </p:tgtEl>
+                                      </p:cBhvr>
+                                    </p:animEffect>
+                                  </p:childTnLst>
+                                </p:cTn>
+                              </p:par>
+                            </p:childTnLst>
+                          </p:cTn>
+                        </p:par>
+                      </p:childTnLst>
+                    </p:cTn>
+                  </p:par>
+                  <p:par>
+                    <p:cTn id="13" fill="hold">
+                      <p:stCondLst>
+                        <p:cond delay="indefinite"/>
+                      </p:stCondLst>
+                      <p:childTnLst>
+                        <p:par>
+                          <p:cTn id="14" fill="hold">
+                            <p:stCondLst>
+                              <p:cond delay="0"/>
+                            </p:stCondLst>
+                            <p:childTnLst>
+                              <p:par>
+                                <p:cTn id="15" presetID="10" presetClass="entr" presetSubtype="0" fill="hold" grpId="0" nodeType="clickEffect">
+                                  <p:stCondLst>
+                                    <p:cond delay="0"/>
+                                  </p:stCondLst>
+                                  <p:childTnLst>
+                                    <p:set>
+                                      <p:cBhvr>
+                                        <p:cTn id="16" dur="1" fill="hold">
+                                          <p:stCondLst>
+                                            <p:cond delay="0"/>
+                                          </p:stCondLst>
+                                        </p:cTn>
+                                        <p:tgtEl>
+                                          <p:spTgt spid="7">
+                                            <p:txEl>
+                                              <p:pRg st="1" end="1"/>
+                                            </p:txEl>
+                                          </p:spTgt>
+                                        </p:tgtEl>
+                                        <p:attrNameLst>
+                                          <p:attrName>style.visibility</p:attrName>
+                                        </p:attrNameLst>
+                                      </p:cBhvr>
+                                      <p:to>
+                                        <p:strVal val="visible"/>
+                                      </p:to>
+                                    </p:set>
+                                    <p:animEffect transition="in" filter="fade">
+                                      <p:cBhvr>
+                                        <p:cTn id="17" dur="500"/>
+                                        <p:tgtEl>
+                                          <p:spTgt spid="7">
+                                            <p:txEl>
+                                              <p:pRg st="1" end="1"/>
+                                            </p:txEl>
+                                          </p:spTgt>
+                                        </p:tgtEl>
+                                      </p:cBhvr>
+                                    </p:animEffect>
+                                  </p:childTnLst>
+                                </p:cTn>
+                              </p:par>
+                            </p:childTnLst>
+                          </p:cTn>
+                        </p:par>
+                      </p:childTnLst>
+                    </p:cTn>
+                  </p:par>
+                  <p:par>
+                    <p:cTn id="18" fill="hold">
+                      <p:stCondLst>
+                        <p:cond delay="indefinite"/>
+                      </p:stCondLst>
+                      <p:childTnLst>
+                        <p:par>
+                          <p:cTn id="19" fill="hold">
+                            <p:stCondLst>
+                              <p:cond delay="0"/>
+                            </p:stCondLst>
+                            <p:childTnLst>
+                              <p:par>
+                                <p:cTn id="20" presetID="63" presetClass="path" presetSubtype="0" accel="50000" decel="50000" fill="hold" nodeType="clickEffect">
+                                  <p:stCondLst>
+                                    <p:cond delay="0"/>
+                                  </p:stCondLst>
+                                  <p:childTnLst>
+                                    <p:animMotion origin="layout" path="M 0 0 L 0.25 0 E" pathEditMode="relative" ptsTypes="">
+                                      <p:cBhvr>
+                                        <p:cTn id="21" dur="2000" fill="hold"/>
+                                        <p:tgtEl>
+                                          <p:spTgt spid="6"/>
+                                        </p:tgtEl>
+                                        <p:attrNameLst>
+                                          <p:attrName>ppt_x</p:attrName>
+                                          <p:attrName>ppt_y</p:attrName>
+                                        </p:attrNameLst>
+                                      </p:cBhvr>
+                                    </p:animMotion>
+                                  </p:childTnLst>
+                                </p:cTn>
+                              </p:par>
+                              <p:par>
+                                <p:cTn id="22" presetID="10" presetClass="exit" presetSubtype="0" fill="hold" grpId="1" nodeType="withEffect">
+                                  <p:stCondLst>
+                                    <p:cond delay="0"/>
+                                  </p:stCondLst>
+                                  <p:childTnLst>
+                                    <p:animEffect transition="out" filter="fade">
+                                      <p:cBhvr>
+                                        <p:cTn id="23" dur="500"/>
+                                        <p:tgtEl>
+                                          <p:spTgt spid="7">
+                                            <p:txEl>
+                                              <p:pRg st="0" end="0"/>
+                                            </p:txEl>
+                                          </p:spTgt>
+                                        </p:tgtEl>
+                                      </p:cBhvr>
+                                    </p:animEffect>
+                                    <p:set>
+                                      <p:cBhvr>
+                                        <p:cTn id="24" dur="1" fill="hold">
+                                          <p:stCondLst>
+                                            <p:cond delay="499"/>
+                                          </p:stCondLst>
+                                        </p:cTn>
+                                        <p:tgtEl>
+                                          <p:spTgt spid="7">
+                                            <p:txEl>
+                                              <p:pRg st="0" end="0"/>
+                                            </p:txEl>
+                                          </p:spTgt>
+                                        </p:tgtEl>
+                                        <p:attrNameLst>
+                                          <p:attrName>style.visibility</p:attrName>
+                                        </p:attrNameLst>
+                                      </p:cBhvr>
+                                      <p:to>
+                                        <p:strVal val="hidden"/>
+                                      </p:to>
+                                    </p:set>
+                                  </p:childTnLst>
+                                </p:cTn>
+                              </p:par>
+                              <p:par>
+                                <p:cTn id="25" presetID="10" presetClass="exit" presetSubtype="0" fill="hold" grpId="1" nodeType="withEffect">
+                                  <p:stCondLst>
+                                    <p:cond delay="0"/>
+                                  </p:stCondLst>
+                                  <p:childTnLst>
+                                    <p:animEffect transition="out" filter="fade">
+                                      <p:cBhvr>
+                                        <p:cTn id="26" dur="500"/>
+                                        <p:tgtEl>
+                                          <p:spTgt spid="7">
+                                            <p:txEl>
+                                              <p:pRg st="1" end="1"/>
+                                            </p:txEl>
+                                          </p:spTgt>
+                                        </p:tgtEl>
+                                      </p:cBhvr>
+                                    </p:animEffect>
+                                    <p:set>
+                                      <p:cBhvr>
+                                        <p:cTn id="27" dur="1" fill="hold">
+                                          <p:stCondLst>
+                                            <p:cond delay="499"/>
+                                          </p:stCondLst>
+                                        </p:cTn>
+                                        <p:tgtEl>
+                                          <p:spTgt spid="7">
+                                            <p:txEl>
+                                              <p:pRg st="1" end="1"/>
+                                            </p:txEl>
+                                          </p:spTgt>
+                                        </p:tgtEl>
+                                        <p:attrNameLst>
+                                          <p:attrName>style.visibility</p:attrName>
+                                        </p:attrNameLst>
+                                      </p:cBhvr>
+                                      <p:to>
+                                        <p:strVal val="hidden"/>
+                                      </p:to>
+                                    </p:set>
+                                  </p:childTnLst>
+                                </p:cTn>
+                              </p:par>
+                              <p:par>
+                                <p:cTn id="28" presetID="10" presetClass="exit" presetSubtype="0" fill="hold" grpId="1" nodeType="withEffect">
+                                  <p:stCondLst>
+                                    <p:cond delay="0"/>
+                                  </p:stCondLst>
+                                  <p:childTnLst>
+                                    <p:animEffect transition="out" filter="fade">
+                                      <p:cBhvr>
+                                        <p:cTn id="29" dur="500"/>
+                                        <p:tgtEl>
+                                          <p:spTgt spid="2"/>
+                                        </p:tgtEl>
+                                      </p:cBhvr>
+                                    </p:animEffect>
+                                    <p:set>
+                                      <p:cBhvr>
+                                        <p:cTn id="30" dur="1" fill="hold">
+                                          <p:stCondLst>
+                                            <p:cond delay="499"/>
+                                          </p:stCondLst>
+                                        </p:cTn>
+                                        <p:tgtEl>
+                                          <p:spTgt spid="2"/>
+                                        </p:tgtEl>
+                                        <p:attrNameLst>
+                                          <p:attrName>style.visibility</p:attrName>
+                                        </p:attrNameLst>
+                                      </p:cBhvr>
+                                      <p:to>
+                                        <p:strVal val="hidden"/>
+                                      </p:to>
+                                    </p:set>
+                                  </p:childTnLst>
+                                </p:cTn>
+                              </p:par>
+                            </p:childTnLst>
+                          </p:cTn>
+                        </p:par>
+                      </p:childTnLst>
+                    </p:cTn>
+                  </p:par>
+                </p:childTnLst>
+              </p:cTn>
+              <p:prevCondLst>
+                <p:cond evt="onPrev" delay="0">
+                  <p:tgtEl>
+                    <p:sldTgt/>
+                  </p:tgtEl>
+                </p:cond>
+              </p:prevCondLst>
+              <p:nextCondLst>
+                <p:cond evt="onNext" delay="0">
+                  <p:tgtEl>
+                    <p:sldTgt/>
+                  </p:tgtEl>
+                </p:cond>
+              </p:nextCondLst>
+            </p:seq>
+          </p:childTnLst>
+        </p:cTn>
+      </p:par>
+    </p:tnLst>
+    <p:bldLst>
+      <p:bldP spid="2" grpId="0"/>
+      <p:bldP spid="2" grpId="1"/>
+      <p:bldP spid="7" grpId="0" build="p"/>
+      <p:bldP spid="7" grpId="1" uiExpand="1" build="p"/>
+    </p:bldLst>
+  </p:timing>
+</p:sld>
+</file>
+
+<file path=ppt/slides/slide5.xml><?xml version="1.0" encoding="utf-8"?>
+<p:sld xmlns:a="http://schemas.openxmlformats.org/drawingml/2006/main" xmlns:r="http://schemas.openxmlformats.org/officeDocument/2006/relationships" xmlns:p="http://schemas.openxmlformats.org/presentationml/2006/main">
+  <p:cSld>
+    <p:spTree>
+      <p:nvGrpSpPr>
+        <p:cNvPr id="1" name=""/>
+        <p:cNvGrpSpPr/>
+        <p:nvPr/>
+      </p:nvGrpSpPr>
+      <p:grpSpPr>
+        <a:xfrm>
+          <a:off x="0" y="0"/>
+          <a:ext cx="0" cy="0"/>
+          <a:chOff x="0" y="0"/>
+          <a:chExt cx="0" cy="0"/>
+        </a:xfrm>
+      </p:grpSpPr>
+      <p:sp>
+        <p:nvSpPr>
+          <p:cNvPr id="2" name="Заголовок 1">
+            <a:extLst>
+              <a:ext uri="{FF2B5EF4-FFF2-40B4-BE49-F238E27FC236}">
+                <a16:creationId xmlns:a16="http://schemas.microsoft.com/office/drawing/2014/main" id="{E0DD550F-32BB-4519-910A-7EA135ED8154}"/>
+              </a:ext>
+            </a:extLst>
+          </p:cNvPr>
+          <p:cNvSpPr>
+            <a:spLocks noGrp="1"/>
+          </p:cNvSpPr>
+          <p:nvPr>
+            <p:ph type="title"/>
+          </p:nvPr>
+        </p:nvSpPr>
+        <p:spPr/>
+        <p:txBody>
+          <a:bodyPr/>
+          <a:lstStyle/>
+          <a:p>
+            <a:r>
+              <a:rPr lang="ru-RU" dirty="0"/>
+              <a:t>Бот</a:t>
+            </a:r>
+          </a:p>
+        </p:txBody>
+      </p:sp>
+      <p:pic>
+        <p:nvPicPr>
+          <p:cNvPr id="6" name="Объект 5">
+            <a:extLst>
+              <a:ext uri="{FF2B5EF4-FFF2-40B4-BE49-F238E27FC236}">
+                <a16:creationId xmlns:a16="http://schemas.microsoft.com/office/drawing/2014/main" id="{94B10A60-9E9D-40C9-8C68-10DA205FA598}"/>
+              </a:ext>
+            </a:extLst>
+          </p:cNvPr>
+          <p:cNvPicPr>
+            <a:picLocks noGrp="1" noChangeAspect="1"/>
+          </p:cNvPicPr>
+          <p:nvPr>
+            <p:ph sz="half" idx="1"/>
+          </p:nvPr>
+        </p:nvPicPr>
+        <p:blipFill>
+          <a:blip r:embed="rId2"/>
+          <a:stretch>
+            <a:fillRect/>
+          </a:stretch>
+        </p:blipFill>
+        <p:spPr>
+          <a:xfrm>
+            <a:off x="0" y="1825625"/>
+            <a:ext cx="3231191" cy="4351338"/>
+          </a:xfrm>
+        </p:spPr>
+      </p:pic>
+      <p:sp>
+        <p:nvSpPr>
+          <p:cNvPr id="4" name="Объект 3">
+            <a:extLst>
+              <a:ext uri="{FF2B5EF4-FFF2-40B4-BE49-F238E27FC236}">
+                <a16:creationId xmlns:a16="http://schemas.microsoft.com/office/drawing/2014/main" id="{906F94BE-741D-4E1A-BD27-77E6240DC346}"/>
+              </a:ext>
+            </a:extLst>
+          </p:cNvPr>
+          <p:cNvSpPr>
+            <a:spLocks noGrp="1"/>
+          </p:cNvSpPr>
+          <p:nvPr>
+            <p:ph sz="half" idx="2"/>
+          </p:nvPr>
+        </p:nvSpPr>
+        <p:spPr>
+          <a:xfrm>
+            <a:off x="3231191" y="1825625"/>
+            <a:ext cx="8122609" cy="4351338"/>
+          </a:xfrm>
+        </p:spPr>
+        <p:txBody>
+          <a:bodyPr>
+            <a:normAutofit fontScale="92500" lnSpcReduction="20000"/>
+          </a:bodyPr>
+          <a:lstStyle/>
+          <a:p>
+            <a:r>
+              <a:rPr lang="ru-RU" dirty="0"/>
+              <a:t>В игре есть 5 уровней сложностей</a:t>
+            </a:r>
+          </a:p>
+          <a:p>
+            <a:r>
+              <a:rPr lang="ru-RU" dirty="0"/>
+              <a:t>Самая лёгкая: бот стреляет в случайную клетку</a:t>
+            </a:r>
+          </a:p>
+          <a:p>
+            <a:r>
+              <a:rPr lang="ru-RU" dirty="0"/>
+              <a:t>Лёгкая: также бот стреляет в случайную клетку, но если он попал в корабль, следующие ходы он будет делать в пределах трёх-четырёх клеток</a:t>
+            </a:r>
+          </a:p>
+          <a:p>
+            <a:r>
+              <a:rPr lang="ru-RU" dirty="0"/>
+              <a:t>Нормальная: опять бот стреляет в случайную клетку, но если он попал в корабль, следующие ходы он будет делать в пределах ДВУХ-четырёх клеток</a:t>
+            </a:r>
+          </a:p>
+          <a:p>
+            <a:r>
+              <a:rPr lang="ru-RU" dirty="0"/>
+              <a:t>Сложная: шанс того, что бот попадёт в корабль равен 50%, если он попал в корабль, условие идентично сложности "Нормально"</a:t>
+            </a:r>
+          </a:p>
+          <a:p>
+            <a:r>
+              <a:rPr lang="ru-RU" dirty="0"/>
+              <a:t>Невозможная: бот видит корабли и стреляет по ним</a:t>
+            </a:r>
+          </a:p>
+        </p:txBody>
+      </p:sp>
+    </p:spTree>
+    <p:extLst>
+      <p:ext uri="{BB962C8B-B14F-4D97-AF65-F5344CB8AC3E}">
+        <p14:creationId xmlns:p14="http://schemas.microsoft.com/office/powerpoint/2010/main" val="2677338125"/>
+      </p:ext>
+    </p:extLst>
+  </p:cSld>
+  <p:clrMapOvr>
+    <a:masterClrMapping/>
+  </p:clrMapOvr>
+  <p:timing>
+    <p:tnLst>
+      <p:par>
+        <p:cTn id="1" dur="indefinite" restart="never" nodeType="tmRoot">
+          <p:childTnLst>
+            <p:seq concurrent="1" nextAc="seek">
+              <p:cTn id="2" dur="indefinite" nodeType="mainSeq">
+                <p:childTnLst>
+                  <p:par>
+                    <p:cTn id="3" fill="hold">
+                      <p:stCondLst>
+                        <p:cond delay="indefinite"/>
+                        <p:cond evt="onBegin" delay="0">
+                          <p:tn val="2"/>
+                        </p:cond>
+                      </p:stCondLst>
+                      <p:childTnLst>
+                        <p:par>
+                          <p:cTn id="4" fill="hold">
+                            <p:stCondLst>
+                              <p:cond delay="0"/>
+                            </p:stCondLst>
+                            <p:childTnLst>
+                              <p:par>
+                                <p:cTn id="5" presetID="10" presetClass="entr" presetSubtype="0" fill="hold" grpId="0" nodeType="afterEffect">
+                                  <p:stCondLst>
+                                    <p:cond delay="0"/>
+                                  </p:stCondLst>
+                                  <p:childTnLst>
+                                    <p:set>
+                                      <p:cBhvr>
+                                        <p:cTn id="6" dur="1" fill="hold">
+                                          <p:stCondLst>
+                                            <p:cond delay="0"/>
+                                          </p:stCondLst>
+                                        </p:cTn>
+                                        <p:tgtEl>
+                                          <p:spTgt spid="2"/>
+                                        </p:tgtEl>
+                                        <p:attrNameLst>
+                                          <p:attrName>style.visibility</p:attrName>
+                                        </p:attrNameLst>
+                                      </p:cBhvr>
+                                      <p:to>
+                                        <p:strVal val="visible"/>
+                                      </p:to>
+                                    </p:set>
+                                    <p:animEffect transition="in" filter="fade">
+                                      <p:cBhvr>
+                                        <p:cTn id="7" dur="500"/>
+                                        <p:tgtEl>
+                                          <p:spTgt spid="2"/>
+                                        </p:tgtEl>
+                                      </p:cBhvr>
+                                    </p:animEffect>
+                                  </p:childTnLst>
+                                </p:cTn>
+                              </p:par>
+                              <p:par>
+                                <p:cTn id="8" presetID="63" presetClass="path" presetSubtype="0" accel="50000" decel="50000" fill="hold" nodeType="withEffect">
+                                  <p:stCondLst>
+                                    <p:cond delay="0"/>
+                                  </p:stCondLst>
+                                  <p:childTnLst>
+                                    <p:animMotion origin="layout" path="M -0.26458 0.00301 L -2.5E-6 -4.44444E-6 " pathEditMode="relative" rAng="0" ptsTypes="AA">
+                                      <p:cBhvr>
+                                        <p:cTn id="9" dur="2000" fill="hold"/>
+                                        <p:tgtEl>
+                                          <p:spTgt spid="6"/>
+                                        </p:tgtEl>
+                                        <p:attrNameLst>
+                                          <p:attrName>ppt_x</p:attrName>
+                                          <p:attrName>ppt_y</p:attrName>
+                                        </p:attrNameLst>
+                                      </p:cBhvr>
+                                      <p:rCtr x="13242" y="-231"/>
+                                    </p:animMotion>
+                                  </p:childTnLst>
+                                </p:cTn>
+                              </p:par>
+                            </p:childTnLst>
+                          </p:cTn>
+                        </p:par>
+                      </p:childTnLst>
+                    </p:cTn>
+                  </p:par>
+                  <p:par>
+                    <p:cTn id="10" fill="hold">
+                      <p:stCondLst>
+                        <p:cond delay="indefinite"/>
+                      </p:stCondLst>
+                      <p:childTnLst>
+                        <p:par>
+                          <p:cTn id="11" fill="hold">
+                            <p:stCondLst>
+                              <p:cond delay="0"/>
+                            </p:stCondLst>
+                            <p:childTnLst>
+                              <p:par>
+                                <p:cTn id="12" presetID="10" presetClass="entr" presetSubtype="0" fill="hold" grpId="0" nodeType="clickEffect">
+                                  <p:stCondLst>
+                                    <p:cond delay="0"/>
+                                  </p:stCondLst>
+                                  <p:childTnLst>
+                                    <p:set>
+                                      <p:cBhvr>
+                                        <p:cTn id="13" dur="1" fill="hold">
+                                          <p:stCondLst>
+                                            <p:cond delay="0"/>
+                                          </p:stCondLst>
+                                        </p:cTn>
+                                        <p:tgtEl>
+                                          <p:spTgt spid="4">
+                                            <p:txEl>
+                                              <p:pRg st="0" end="0"/>
+                                            </p:txEl>
+                                          </p:spTgt>
+                                        </p:tgtEl>
+                                        <p:attrNameLst>
+                                          <p:attrName>style.visibility</p:attrName>
+                                        </p:attrNameLst>
+                                      </p:cBhvr>
+                                      <p:to>
+                                        <p:strVal val="visible"/>
+                                      </p:to>
+                                    </p:set>
+                                    <p:animEffect transition="in" filter="fade">
+                                      <p:cBhvr>
+                                        <p:cTn id="14" dur="500"/>
+                                        <p:tgtEl>
+                                          <p:spTgt spid="4">
+                                            <p:txEl>
+                                              <p:pRg st="0" end="0"/>
+                                            </p:txEl>
+                                          </p:spTgt>
+                                        </p:tgtEl>
+                                      </p:cBhvr>
+                                    </p:animEffect>
+                                  </p:childTnLst>
+                                </p:cTn>
+                              </p:par>
+                            </p:childTnLst>
+                          </p:cTn>
+                        </p:par>
+                      </p:childTnLst>
+                    </p:cTn>
+                  </p:par>
+                  <p:par>
+                    <p:cTn id="15" fill="hold">
+                      <p:stCondLst>
+                        <p:cond delay="indefinite"/>
+                      </p:stCondLst>
+                      <p:childTnLst>
+                        <p:par>
+                          <p:cTn id="16" fill="hold">
+                            <p:stCondLst>
+                              <p:cond delay="0"/>
+                            </p:stCondLst>
+                            <p:childTnLst>
+                              <p:par>
+                                <p:cTn id="17" presetID="10" presetClass="entr" presetSubtype="0" fill="hold" grpId="0" nodeType="clickEffect">
+                                  <p:stCondLst>
+                                    <p:cond delay="0"/>
+                                  </p:stCondLst>
+                                  <p:childTnLst>
+                                    <p:set>
+                                      <p:cBhvr>
+                                        <p:cTn id="18" dur="1" fill="hold">
+                                          <p:stCondLst>
+                                            <p:cond delay="0"/>
+                                          </p:stCondLst>
+                                        </p:cTn>
+                                        <p:tgtEl>
+                                          <p:spTgt spid="4">
+                                            <p:txEl>
+                                              <p:pRg st="1" end="1"/>
+                                            </p:txEl>
+                                          </p:spTgt>
+                                        </p:tgtEl>
+                                        <p:attrNameLst>
+                                          <p:attrName>style.visibility</p:attrName>
+                                        </p:attrNameLst>
+                                      </p:cBhvr>
+                                      <p:to>
+                                        <p:strVal val="visible"/>
+                                      </p:to>
+                                    </p:set>
+                                    <p:animEffect transition="in" filter="fade">
+                                      <p:cBhvr>
+                                        <p:cTn id="19" dur="500"/>
+                                        <p:tgtEl>
+                                          <p:spTgt spid="4">
+                                            <p:txEl>
+                                              <p:pRg st="1" end="1"/>
+                                            </p:txEl>
+                                          </p:spTgt>
+                                        </p:tgtEl>
+                                      </p:cBhvr>
+                                    </p:animEffect>
+                                  </p:childTnLst>
+                                </p:cTn>
+                              </p:par>
+                            </p:childTnLst>
+                          </p:cTn>
+                        </p:par>
+                      </p:childTnLst>
+                    </p:cTn>
+                  </p:par>
+                  <p:par>
+                    <p:cTn id="20" fill="hold">
+                      <p:stCondLst>
+                        <p:cond delay="indefinite"/>
+                      </p:stCondLst>
+                      <p:childTnLst>
+                        <p:par>
+                          <p:cTn id="21" fill="hold">
+                            <p:stCondLst>
+                              <p:cond delay="0"/>
+                            </p:stCondLst>
+                            <p:childTnLst>
+                              <p:par>
+                                <p:cTn id="22" presetID="10" presetClass="entr" presetSubtype="0" fill="hold" grpId="0" nodeType="clickEffect">
+                                  <p:stCondLst>
+                                    <p:cond delay="0"/>
+                                  </p:stCondLst>
+                                  <p:childTnLst>
+                                    <p:set>
+                                      <p:cBhvr>
+                                        <p:cTn id="23" dur="1" fill="hold">
+                                          <p:stCondLst>
+                                            <p:cond delay="0"/>
+                                          </p:stCondLst>
+                                        </p:cTn>
+                                        <p:tgtEl>
+                                          <p:spTgt spid="4">
+                                            <p:txEl>
+                                              <p:pRg st="2" end="2"/>
+                                            </p:txEl>
+                                          </p:spTgt>
+                                        </p:tgtEl>
+                                        <p:attrNameLst>
+                                          <p:attrName>style.visibility</p:attrName>
+                                        </p:attrNameLst>
+                                      </p:cBhvr>
+                                      <p:to>
+                                        <p:strVal val="visible"/>
+                                      </p:to>
+                                    </p:set>
+                                    <p:animEffect transition="in" filter="fade">
+                                      <p:cBhvr>
+                                        <p:cTn id="24" dur="500"/>
+                                        <p:tgtEl>
+                                          <p:spTgt spid="4">
+                                            <p:txEl>
+                                              <p:pRg st="2" end="2"/>
+                                            </p:txEl>
+                                          </p:spTgt>
+                                        </p:tgtEl>
+                                      </p:cBhvr>
+                                    </p:animEffect>
+                                  </p:childTnLst>
+                                </p:cTn>
+                              </p:par>
+                            </p:childTnLst>
+                          </p:cTn>
+                        </p:par>
+                      </p:childTnLst>
+                    </p:cTn>
+                  </p:par>
+                  <p:par>
+                    <p:cTn id="25" fill="hold">
+                      <p:stCondLst>
+                        <p:cond delay="indefinite"/>
+                      </p:stCondLst>
+                      <p:childTnLst>
+                        <p:par>
+                          <p:cTn id="26" fill="hold">
+                            <p:stCondLst>
+                              <p:cond delay="0"/>
+                            </p:stCondLst>
+                            <p:childTnLst>
+                              <p:par>
+                                <p:cTn id="27" presetID="10" presetClass="entr" presetSubtype="0" fill="hold" grpId="0" nodeType="clickEffect">
+                                  <p:stCondLst>
+                                    <p:cond delay="0"/>
+                                  </p:stCondLst>
+                                  <p:childTnLst>
+                                    <p:set>
+                                      <p:cBhvr>
+                                        <p:cTn id="28" dur="1" fill="hold">
+                                          <p:stCondLst>
+                                            <p:cond delay="0"/>
+                                          </p:stCondLst>
+                                        </p:cTn>
+                                        <p:tgtEl>
+                                          <p:spTgt spid="4">
+                                            <p:txEl>
+                                              <p:pRg st="3" end="3"/>
+                                            </p:txEl>
+                                          </p:spTgt>
+                                        </p:tgtEl>
+                                        <p:attrNameLst>
+                                          <p:attrName>style.visibility</p:attrName>
+                                        </p:attrNameLst>
+                                      </p:cBhvr>
+                                      <p:to>
+                                        <p:strVal val="visible"/>
+                                      </p:to>
+                                    </p:set>
+                                    <p:animEffect transition="in" filter="fade">
+                                      <p:cBhvr>
+                                        <p:cTn id="29" dur="500"/>
+                                        <p:tgtEl>
+                                          <p:spTgt spid="4">
+                                            <p:txEl>
+                                              <p:pRg st="3" end="3"/>
+                                            </p:txEl>
+                                          </p:spTgt>
+                                        </p:tgtEl>
+                                      </p:cBhvr>
+                                    </p:animEffect>
+                                  </p:childTnLst>
+                                </p:cTn>
+                              </p:par>
+                            </p:childTnLst>
+                          </p:cTn>
+                        </p:par>
+                      </p:childTnLst>
+                    </p:cTn>
+                  </p:par>
+                  <p:par>
+                    <p:cTn id="30" fill="hold">
+                      <p:stCondLst>
+                        <p:cond delay="indefinite"/>
+                      </p:stCondLst>
+                      <p:childTnLst>
+                        <p:par>
+                          <p:cTn id="31" fill="hold">
+                            <p:stCondLst>
+                              <p:cond delay="0"/>
+                            </p:stCondLst>
+                            <p:childTnLst>
+                              <p:par>
+                                <p:cTn id="32" presetID="10" presetClass="entr" presetSubtype="0" fill="hold" grpId="0" nodeType="clickEffect">
+                                  <p:stCondLst>
+                                    <p:cond delay="0"/>
+                                  </p:stCondLst>
+                                  <p:childTnLst>
+                                    <p:set>
+                                      <p:cBhvr>
+                                        <p:cTn id="33" dur="1" fill="hold">
+                                          <p:stCondLst>
+                                            <p:cond delay="0"/>
+                                          </p:stCondLst>
+                                        </p:cTn>
+                                        <p:tgtEl>
+                                          <p:spTgt spid="4">
+                                            <p:txEl>
+                                              <p:pRg st="4" end="4"/>
+                                            </p:txEl>
+                                          </p:spTgt>
+                                        </p:tgtEl>
+                                        <p:attrNameLst>
+                                          <p:attrName>style.visibility</p:attrName>
+                                        </p:attrNameLst>
+                                      </p:cBhvr>
+                                      <p:to>
+                                        <p:strVal val="visible"/>
+                                      </p:to>
+                                    </p:set>
+                                    <p:animEffect transition="in" filter="fade">
+                                      <p:cBhvr>
+                                        <p:cTn id="34" dur="500"/>
+                                        <p:tgtEl>
+                                          <p:spTgt spid="4">
+                                            <p:txEl>
+                                              <p:pRg st="4" end="4"/>
+                                            </p:txEl>
+                                          </p:spTgt>
+                                        </p:tgtEl>
+                                      </p:cBhvr>
+                                    </p:animEffect>
+                                  </p:childTnLst>
+                                </p:cTn>
+                              </p:par>
+                            </p:childTnLst>
+                          </p:cTn>
+                        </p:par>
+                      </p:childTnLst>
+                    </p:cTn>
+                  </p:par>
+                  <p:par>
+                    <p:cTn id="35" fill="hold">
+                      <p:stCondLst>
+                        <p:cond delay="indefinite"/>
+                      </p:stCondLst>
+                      <p:childTnLst>
+                        <p:par>
+                          <p:cTn id="36" fill="hold">
+                            <p:stCondLst>
+                              <p:cond delay="0"/>
+                            </p:stCondLst>
+                            <p:childTnLst>
+                              <p:par>
+                                <p:cTn id="37" presetID="10" presetClass="entr" presetSubtype="0" fill="hold" grpId="0" nodeType="clickEffect">
+                                  <p:stCondLst>
+                                    <p:cond delay="0"/>
+                                  </p:stCondLst>
+                                  <p:childTnLst>
+                                    <p:set>
+                                      <p:cBhvr>
+                                        <p:cTn id="38" dur="1" fill="hold">
+                                          <p:stCondLst>
+                                            <p:cond delay="0"/>
+                                          </p:stCondLst>
+                                        </p:cTn>
+                                        <p:tgtEl>
+                                          <p:spTgt spid="4">
+                                            <p:txEl>
+                                              <p:pRg st="5" end="5"/>
+                                            </p:txEl>
+                                          </p:spTgt>
+                                        </p:tgtEl>
+                                        <p:attrNameLst>
+                                          <p:attrName>style.visibility</p:attrName>
+                                        </p:attrNameLst>
+                                      </p:cBhvr>
+                                      <p:to>
+                                        <p:strVal val="visible"/>
+                                      </p:to>
+                                    </p:set>
+                                    <p:animEffect transition="in" filter="fade">
+                                      <p:cBhvr>
+                                        <p:cTn id="39" dur="500"/>
+                                        <p:tgtEl>
+                                          <p:spTgt spid="4">
+                                            <p:txEl>
+                                              <p:pRg st="5" end="5"/>
+                                            </p:txEl>
+                                          </p:spTgt>
+                                        </p:tgtEl>
+                                      </p:cBhvr>
+                                    </p:animEffect>
+                                  </p:childTnLst>
+                                </p:cTn>
+                              </p:par>
+                            </p:childTnLst>
+                          </p:cTn>
+                        </p:par>
+                      </p:childTnLst>
+                    </p:cTn>
+                  </p:par>
+                  <p:par>
+                    <p:cTn id="40" fill="hold">
+                      <p:stCondLst>
+                        <p:cond delay="indefinite"/>
+                      </p:stCondLst>
+                      <p:childTnLst>
+                        <p:par>
+                          <p:cTn id="41" fill="hold">
+                            <p:stCondLst>
+                              <p:cond delay="0"/>
+                            </p:stCondLst>
+                            <p:childTnLst>
+                              <p:par>
+                                <p:cTn id="42" presetID="10" presetClass="exit" presetSubtype="0" fill="hold" grpId="1" nodeType="clickEffect">
+                                  <p:stCondLst>
+                                    <p:cond delay="0"/>
+                                  </p:stCondLst>
+                                  <p:childTnLst>
+                                    <p:animEffect transition="out" filter="fade">
+                                      <p:cBhvr>
+                                        <p:cTn id="43" dur="500"/>
+                                        <p:tgtEl>
+                                          <p:spTgt spid="4">
+                                            <p:txEl>
+                                              <p:pRg st="0" end="0"/>
+                                            </p:txEl>
+                                          </p:spTgt>
+                                        </p:tgtEl>
+                                      </p:cBhvr>
+                                    </p:animEffect>
+                                    <p:set>
+                                      <p:cBhvr>
+                                        <p:cTn id="44" dur="1" fill="hold">
+                                          <p:stCondLst>
+                                            <p:cond delay="499"/>
+                                          </p:stCondLst>
+                                        </p:cTn>
+                                        <p:tgtEl>
+                                          <p:spTgt spid="4">
+                                            <p:txEl>
+                                              <p:pRg st="0" end="0"/>
+                                            </p:txEl>
+                                          </p:spTgt>
+                                        </p:tgtEl>
+                                        <p:attrNameLst>
+                                          <p:attrName>style.visibility</p:attrName>
+                                        </p:attrNameLst>
+                                      </p:cBhvr>
+                                      <p:to>
+                                        <p:strVal val="hidden"/>
+                                      </p:to>
+                                    </p:set>
+                                  </p:childTnLst>
+                                </p:cTn>
+                              </p:par>
+                              <p:par>
+                                <p:cTn id="45" presetID="10" presetClass="exit" presetSubtype="0" fill="hold" grpId="1" nodeType="withEffect">
+                                  <p:stCondLst>
+                                    <p:cond delay="0"/>
+                                  </p:stCondLst>
+                                  <p:childTnLst>
+                                    <p:animEffect transition="out" filter="fade">
+                                      <p:cBhvr>
+                                        <p:cTn id="46" dur="500"/>
+                                        <p:tgtEl>
+                                          <p:spTgt spid="4">
+                                            <p:txEl>
+                                              <p:pRg st="1" end="1"/>
+                                            </p:txEl>
+                                          </p:spTgt>
+                                        </p:tgtEl>
+                                      </p:cBhvr>
+                                    </p:animEffect>
+                                    <p:set>
+                                      <p:cBhvr>
+                                        <p:cTn id="47" dur="1" fill="hold">
+                                          <p:stCondLst>
+                                            <p:cond delay="499"/>
+                                          </p:stCondLst>
+                                        </p:cTn>
+                                        <p:tgtEl>
+                                          <p:spTgt spid="4">
+                                            <p:txEl>
+                                              <p:pRg st="1" end="1"/>
+                                            </p:txEl>
+                                          </p:spTgt>
+                                        </p:tgtEl>
+                                        <p:attrNameLst>
+                                          <p:attrName>style.visibility</p:attrName>
+                                        </p:attrNameLst>
+                                      </p:cBhvr>
+                                      <p:to>
+                                        <p:strVal val="hidden"/>
+                                      </p:to>
+                                    </p:set>
+                                  </p:childTnLst>
+                                </p:cTn>
+                              </p:par>
+                              <p:par>
+                                <p:cTn id="48" presetID="10" presetClass="exit" presetSubtype="0" fill="hold" grpId="1" nodeType="withEffect">
+                                  <p:stCondLst>
+                                    <p:cond delay="0"/>
+                                  </p:stCondLst>
+                                  <p:childTnLst>
+                                    <p:animEffect transition="out" filter="fade">
+                                      <p:cBhvr>
+                                        <p:cTn id="49" dur="500"/>
+                                        <p:tgtEl>
+                                          <p:spTgt spid="4">
+                                            <p:txEl>
+                                              <p:pRg st="2" end="2"/>
+                                            </p:txEl>
+                                          </p:spTgt>
+                                        </p:tgtEl>
+                                      </p:cBhvr>
+                                    </p:animEffect>
+                                    <p:set>
+                                      <p:cBhvr>
+                                        <p:cTn id="50" dur="1" fill="hold">
+                                          <p:stCondLst>
+                                            <p:cond delay="499"/>
+                                          </p:stCondLst>
+                                        </p:cTn>
+                                        <p:tgtEl>
+                                          <p:spTgt spid="4">
+                                            <p:txEl>
+                                              <p:pRg st="2" end="2"/>
+                                            </p:txEl>
+                                          </p:spTgt>
+                                        </p:tgtEl>
+                                        <p:attrNameLst>
+                                          <p:attrName>style.visibility</p:attrName>
+                                        </p:attrNameLst>
+                                      </p:cBhvr>
+                                      <p:to>
+                                        <p:strVal val="hidden"/>
+                                      </p:to>
+                                    </p:set>
+                                  </p:childTnLst>
+                                </p:cTn>
+                              </p:par>
+                              <p:par>
+                                <p:cTn id="51" presetID="10" presetClass="exit" presetSubtype="0" fill="hold" grpId="1" nodeType="withEffect">
+                                  <p:stCondLst>
+                                    <p:cond delay="0"/>
+                                  </p:stCondLst>
+                                  <p:childTnLst>
+                                    <p:animEffect transition="out" filter="fade">
+                                      <p:cBhvr>
+                                        <p:cTn id="52" dur="500"/>
+                                        <p:tgtEl>
+                                          <p:spTgt spid="4">
+                                            <p:txEl>
+                                              <p:pRg st="3" end="3"/>
+                                            </p:txEl>
+                                          </p:spTgt>
+                                        </p:tgtEl>
+                                      </p:cBhvr>
+                                    </p:animEffect>
+                                    <p:set>
+                                      <p:cBhvr>
+                                        <p:cTn id="53" dur="1" fill="hold">
+                                          <p:stCondLst>
+                                            <p:cond delay="499"/>
+                                          </p:stCondLst>
+                                        </p:cTn>
+                                        <p:tgtEl>
+                                          <p:spTgt spid="4">
+                                            <p:txEl>
+                                              <p:pRg st="3" end="3"/>
+                                            </p:txEl>
+                                          </p:spTgt>
+                                        </p:tgtEl>
+                                        <p:attrNameLst>
+                                          <p:attrName>style.visibility</p:attrName>
+                                        </p:attrNameLst>
+                                      </p:cBhvr>
+                                      <p:to>
+                                        <p:strVal val="hidden"/>
+                                      </p:to>
+                                    </p:set>
+                                  </p:childTnLst>
+                                </p:cTn>
+                              </p:par>
+                              <p:par>
+                                <p:cTn id="54" presetID="10" presetClass="exit" presetSubtype="0" fill="hold" grpId="1" nodeType="withEffect">
+                                  <p:stCondLst>
+                                    <p:cond delay="0"/>
+                                  </p:stCondLst>
+                                  <p:childTnLst>
+                                    <p:animEffect transition="out" filter="fade">
+                                      <p:cBhvr>
+                                        <p:cTn id="55" dur="500"/>
+                                        <p:tgtEl>
+                                          <p:spTgt spid="4">
+                                            <p:txEl>
+                                              <p:pRg st="4" end="4"/>
+                                            </p:txEl>
+                                          </p:spTgt>
+                                        </p:tgtEl>
+                                      </p:cBhvr>
+                                    </p:animEffect>
+                                    <p:set>
+                                      <p:cBhvr>
+                                        <p:cTn id="56" dur="1" fill="hold">
+                                          <p:stCondLst>
+                                            <p:cond delay="499"/>
+                                          </p:stCondLst>
+                                        </p:cTn>
+                                        <p:tgtEl>
+                                          <p:spTgt spid="4">
+                                            <p:txEl>
+                                              <p:pRg st="4" end="4"/>
+                                            </p:txEl>
+                                          </p:spTgt>
+                                        </p:tgtEl>
+                                        <p:attrNameLst>
+                                          <p:attrName>style.visibility</p:attrName>
+                                        </p:attrNameLst>
+                                      </p:cBhvr>
+                                      <p:to>
+                                        <p:strVal val="hidden"/>
+                                      </p:to>
+                                    </p:set>
+                                  </p:childTnLst>
+                                </p:cTn>
+                              </p:par>
+                              <p:par>
+                                <p:cTn id="57" presetID="10" presetClass="exit" presetSubtype="0" fill="hold" grpId="1" nodeType="withEffect">
+                                  <p:stCondLst>
+                                    <p:cond delay="0"/>
+                                  </p:stCondLst>
+                                  <p:childTnLst>
+                                    <p:animEffect transition="out" filter="fade">
+                                      <p:cBhvr>
+                                        <p:cTn id="58" dur="500"/>
+                                        <p:tgtEl>
+                                          <p:spTgt spid="4">
+                                            <p:txEl>
+                                              <p:pRg st="5" end="5"/>
+                                            </p:txEl>
+                                          </p:spTgt>
+                                        </p:tgtEl>
+                                      </p:cBhvr>
+                                    </p:animEffect>
+                                    <p:set>
+                                      <p:cBhvr>
+                                        <p:cTn id="59" dur="1" fill="hold">
+                                          <p:stCondLst>
+                                            <p:cond delay="499"/>
+                                          </p:stCondLst>
+                                        </p:cTn>
+                                        <p:tgtEl>
+                                          <p:spTgt spid="4">
+                                            <p:txEl>
+                                              <p:pRg st="5" end="5"/>
+                                            </p:txEl>
+                                          </p:spTgt>
+                                        </p:tgtEl>
+                                        <p:attrNameLst>
+                                          <p:attrName>style.visibility</p:attrName>
+                                        </p:attrNameLst>
+                                      </p:cBhvr>
+                                      <p:to>
+                                        <p:strVal val="hidden"/>
+                                      </p:to>
+                                    </p:set>
+                                  </p:childTnLst>
+                                </p:cTn>
+                              </p:par>
+                              <p:par>
+                                <p:cTn id="60" presetID="10" presetClass="exit" presetSubtype="0" fill="hold" grpId="1" nodeType="withEffect">
+                                  <p:stCondLst>
+                                    <p:cond delay="0"/>
+                                  </p:stCondLst>
+                                  <p:childTnLst>
+                                    <p:animEffect transition="out" filter="fade">
+                                      <p:cBhvr>
+                                        <p:cTn id="61" dur="500"/>
+                                        <p:tgtEl>
+                                          <p:spTgt spid="2"/>
+                                        </p:tgtEl>
+                                      </p:cBhvr>
+                                    </p:animEffect>
+                                    <p:set>
+                                      <p:cBhvr>
+                                        <p:cTn id="62" dur="1" fill="hold">
+                                          <p:stCondLst>
+                                            <p:cond delay="499"/>
+                                          </p:stCondLst>
+                                        </p:cTn>
+                                        <p:tgtEl>
+                                          <p:spTgt spid="2"/>
+                                        </p:tgtEl>
+                                        <p:attrNameLst>
+                                          <p:attrName>style.visibility</p:attrName>
+                                        </p:attrNameLst>
+                                      </p:cBhvr>
+                                      <p:to>
+                                        <p:strVal val="hidden"/>
+                                      </p:to>
+                                    </p:set>
+                                  </p:childTnLst>
+                                </p:cTn>
+                              </p:par>
+                              <p:par>
+                                <p:cTn id="63" presetID="10" presetClass="exit" presetSubtype="0" fill="hold" nodeType="withEffect">
+                                  <p:stCondLst>
+                                    <p:cond delay="0"/>
+                                  </p:stCondLst>
+                                  <p:childTnLst>
+                                    <p:animEffect transition="out" filter="fade">
+                                      <p:cBhvr>
+                                        <p:cTn id="64" dur="500"/>
+                                        <p:tgtEl>
+                                          <p:spTgt spid="6"/>
+                                        </p:tgtEl>
+                                      </p:cBhvr>
+                                    </p:animEffect>
+                                    <p:set>
+                                      <p:cBhvr>
+                                        <p:cTn id="65" dur="1" fill="hold">
+                                          <p:stCondLst>
+                                            <p:cond delay="499"/>
+                                          </p:stCondLst>
+                                        </p:cTn>
+                                        <p:tgtEl>
+                                          <p:spTgt spid="6"/>
+                                        </p:tgtEl>
+                                        <p:attrNameLst>
+                                          <p:attrName>style.visibility</p:attrName>
+                                        </p:attrNameLst>
+                                      </p:cBhvr>
+                                      <p:to>
+                                        <p:strVal val="hidden"/>
+                                      </p:to>
+                                    </p:set>
+                                  </p:childTnLst>
+                                </p:cTn>
+                              </p:par>
+                            </p:childTnLst>
+                          </p:cTn>
+                        </p:par>
+                      </p:childTnLst>
+                    </p:cTn>
+                  </p:par>
+                </p:childTnLst>
+              </p:cTn>
+              <p:prevCondLst>
+                <p:cond evt="onPrev" delay="0">
+                  <p:tgtEl>
+                    <p:sldTgt/>
+                  </p:tgtEl>
+                </p:cond>
+              </p:prevCondLst>
+              <p:nextCondLst>
+                <p:cond evt="onNext" delay="0">
+                  <p:tgtEl>
+                    <p:sldTgt/>
+                  </p:tgtEl>
+                </p:cond>
+              </p:nextCondLst>
+            </p:seq>
+          </p:childTnLst>
+        </p:cTn>
+      </p:par>
+    </p:tnLst>
+    <p:bldLst>
+      <p:bldP spid="2" grpId="0"/>
+      <p:bldP spid="2" grpId="1"/>
+      <p:bldP spid="4" grpId="0" build="p"/>
+      <p:bldP spid="4" grpId="1" uiExpand="1" build="p"/>
+    </p:bldLst>
+  </p:timing>
+</p:sld>
+</file>
+
+<file path=ppt/slides/slide6.xml><?xml version="1.0" encoding="utf-8"?>
+<p:sld xmlns:a="http://schemas.openxmlformats.org/drawingml/2006/main" xmlns:r="http://schemas.openxmlformats.org/officeDocument/2006/relationships" xmlns:p="http://schemas.openxmlformats.org/presentationml/2006/main">
+  <p:cSld>
+    <p:spTree>
+      <p:nvGrpSpPr>
+        <p:cNvPr id="1" name=""/>
+        <p:cNvGrpSpPr/>
+        <p:nvPr/>
+      </p:nvGrpSpPr>
+      <p:grpSpPr>
+        <a:xfrm>
+          <a:off x="0" y="0"/>
+          <a:ext cx="0" cy="0"/>
+          <a:chOff x="0" y="0"/>
+          <a:chExt cx="0" cy="0"/>
+        </a:xfrm>
+      </p:grpSpPr>
+      <p:sp>
+        <p:nvSpPr>
+          <p:cNvPr id="2" name="Заголовок 1">
+            <a:extLst>
+              <a:ext uri="{FF2B5EF4-FFF2-40B4-BE49-F238E27FC236}">
+                <a16:creationId xmlns:a16="http://schemas.microsoft.com/office/drawing/2014/main" id="{D82EFE78-3CAB-4DB9-B6E9-77091EA9BBB1}"/>
+              </a:ext>
+            </a:extLst>
+          </p:cNvPr>
+          <p:cNvSpPr>
+            <a:spLocks noGrp="1"/>
+          </p:cNvSpPr>
+          <p:nvPr>
+            <p:ph type="title"/>
+          </p:nvPr>
+        </p:nvSpPr>
+        <p:spPr/>
+        <p:txBody>
+          <a:bodyPr/>
+          <a:lstStyle/>
+          <a:p>
+            <a:r>
+              <a:rPr lang="ru-RU" dirty="0"/>
+              <a:t>Заключение</a:t>
+            </a:r>
+          </a:p>
+        </p:txBody>
+      </p:sp>
+      <p:pic>
+        <p:nvPicPr>
+          <p:cNvPr id="6" name="Объект 5">
+            <a:extLst>
+              <a:ext uri="{FF2B5EF4-FFF2-40B4-BE49-F238E27FC236}">
+                <a16:creationId xmlns:a16="http://schemas.microsoft.com/office/drawing/2014/main" id="{D0F481D5-ED70-44BE-8A32-1A8C3BAC3B6B}"/>
+              </a:ext>
+            </a:extLst>
+          </p:cNvPr>
+          <p:cNvPicPr>
+            <a:picLocks noGrp="1" noChangeAspect="1"/>
+          </p:cNvPicPr>
+          <p:nvPr>
+            <p:ph sz="half" idx="1"/>
+          </p:nvPr>
+        </p:nvPicPr>
+        <p:blipFill>
+          <a:blip r:embed="rId2"/>
+          <a:stretch>
+            <a:fillRect/>
+          </a:stretch>
+        </p:blipFill>
+        <p:spPr>
+          <a:xfrm>
+            <a:off x="838200" y="2495676"/>
+            <a:ext cx="5181600" cy="3011236"/>
+          </a:xfrm>
+        </p:spPr>
+      </p:pic>
+      <p:sp>
+        <p:nvSpPr>
+          <p:cNvPr id="4" name="Объект 3">
+            <a:extLst>
+              <a:ext uri="{FF2B5EF4-FFF2-40B4-BE49-F238E27FC236}">
+                <a16:creationId xmlns:a16="http://schemas.microsoft.com/office/drawing/2014/main" id="{C96E0D85-66C1-4F5A-8F5C-AF0944BDC2A8}"/>
+              </a:ext>
+            </a:extLst>
+          </p:cNvPr>
+          <p:cNvSpPr>
+            <a:spLocks noGrp="1"/>
+          </p:cNvSpPr>
+          <p:nvPr>
+            <p:ph sz="half" idx="2"/>
+          </p:nvPr>
+        </p:nvSpPr>
+        <p:spPr/>
+        <p:txBody>
+          <a:bodyPr/>
+          <a:lstStyle/>
+          <a:p>
+            <a:r>
+              <a:rPr lang="ru-RU" dirty="0"/>
+              <a:t>Игра получилась большая и нескучная.</a:t>
+            </a:r>
+          </a:p>
+          <a:p>
+            <a:r>
+              <a:rPr lang="ru-RU" dirty="0"/>
+              <a:t>Скоро игра появится в </a:t>
+            </a:r>
+            <a:r>
+              <a:rPr lang="en-US" dirty="0"/>
+              <a:t>Steam </a:t>
+            </a:r>
+            <a:r>
+              <a:rPr lang="ru-RU" dirty="0"/>
+              <a:t>и её можно будет купить за 1</a:t>
+            </a:r>
+            <a:r>
+              <a:rPr lang="en-US" dirty="0"/>
+              <a:t>$</a:t>
+            </a:r>
+            <a:endParaRPr lang="ru-RU" dirty="0"/>
+          </a:p>
+        </p:txBody>
+      </p:sp>
+    </p:spTree>
+    <p:extLst>
+      <p:ext uri="{BB962C8B-B14F-4D97-AF65-F5344CB8AC3E}">
+        <p14:creationId xmlns:p14="http://schemas.microsoft.com/office/powerpoint/2010/main" val="3215616817"/>
+      </p:ext>
+    </p:extLst>
+  </p:cSld>
+  <p:clrMapOvr>
+    <a:masterClrMapping/>
+  </p:clrMapOvr>
+  <p:timing>
+    <p:tnLst>
+      <p:par>
+        <p:cTn id="1" dur="indefinite" restart="never" nodeType="tmRoot">
+          <p:childTnLst>
+            <p:seq concurrent="1" nextAc="seek">
+              <p:cTn id="2" dur="indefinite" nodeType="mainSeq">
+                <p:childTnLst>
+                  <p:par>
+                    <p:cTn id="3" fill="hold">
+                      <p:stCondLst>
+                        <p:cond delay="indefinite"/>
+                        <p:cond evt="onBegin" delay="0">
+                          <p:tn val="2"/>
+                        </p:cond>
+                      </p:stCondLst>
+                      <p:childTnLst>
+                        <p:par>
+                          <p:cTn id="4" fill="hold">
+                            <p:stCondLst>
+                              <p:cond delay="0"/>
+                            </p:stCondLst>
+                            <p:childTnLst>
+                              <p:par>
+                                <p:cTn id="5" presetID="10" presetClass="entr" presetSubtype="0" fill="hold" grpId="0" nodeType="withEffect">
+                                  <p:stCondLst>
+                                    <p:cond delay="0"/>
+                                  </p:stCondLst>
+                                  <p:childTnLst>
+                                    <p:set>
+                                      <p:cBhvr>
+                                        <p:cTn id="6" dur="1" fill="hold">
+                                          <p:stCondLst>
+                                            <p:cond delay="0"/>
+                                          </p:stCondLst>
+                                        </p:cTn>
+                                        <p:tgtEl>
+                                          <p:spTgt spid="2"/>
+                                        </p:tgtEl>
+                                        <p:attrNameLst>
+                                          <p:attrName>style.visibility</p:attrName>
+                                        </p:attrNameLst>
+                                      </p:cBhvr>
+                                      <p:to>
+                                        <p:strVal val="visible"/>
+                                      </p:to>
+                                    </p:set>
+                                    <p:animEffect transition="in" filter="fade">
+                                      <p:cBhvr>
+                                        <p:cTn id="7" dur="500"/>
+                                        <p:tgtEl>
+                                          <p:spTgt spid="2"/>
+                                        </p:tgtEl>
+                                      </p:cBhvr>
+                                    </p:animEffect>
+                                  </p:childTnLst>
+                                </p:cTn>
+                              </p:par>
+                              <p:par>
+                                <p:cTn id="8" presetID="10" presetClass="entr" presetSubtype="0" fill="hold" nodeType="withEffect">
+                                  <p:stCondLst>
+                                    <p:cond delay="0"/>
+                                  </p:stCondLst>
+                                  <p:childTnLst>
+                                    <p:set>
+                                      <p:cBhvr>
+                                        <p:cTn id="9" dur="1" fill="hold">
+                                          <p:stCondLst>
+                                            <p:cond delay="0"/>
+                                          </p:stCondLst>
+                                        </p:cTn>
+                                        <p:tgtEl>
+                                          <p:spTgt spid="6"/>
+                                        </p:tgtEl>
+                                        <p:attrNameLst>
+                                          <p:attrName>style.visibility</p:attrName>
+                                        </p:attrNameLst>
+                                      </p:cBhvr>
+                                      <p:to>
+                                        <p:strVal val="visible"/>
+                                      </p:to>
+                                    </p:set>
+                                    <p:animEffect transition="in" filter="fade">
+                                      <p:cBhvr>
+                                        <p:cTn id="10" dur="500"/>
+                                        <p:tgtEl>
+                                          <p:spTgt spid="6"/>
+                                        </p:tgtEl>
+                                      </p:cBhvr>
+                                    </p:animEffect>
+                                  </p:childTnLst>
+                                </p:cTn>
+                              </p:par>
+                            </p:childTnLst>
+                          </p:cTn>
+                        </p:par>
+                      </p:childTnLst>
+                    </p:cTn>
+                  </p:par>
+                  <p:par>
+                    <p:cTn id="11" fill="hold">
+                      <p:stCondLst>
+                        <p:cond delay="indefinite"/>
+                      </p:stCondLst>
+                      <p:childTnLst>
+                        <p:par>
+                          <p:cTn id="12" fill="hold">
+                            <p:stCondLst>
+                              <p:cond delay="0"/>
+                            </p:stCondLst>
+                            <p:childTnLst>
+                              <p:par>
+                                <p:cTn id="13" presetID="10" presetClass="entr" presetSubtype="0" fill="hold" grpId="0" nodeType="clickEffect">
+                                  <p:stCondLst>
+                                    <p:cond delay="0"/>
+                                  </p:stCondLst>
+                                  <p:childTnLst>
+                                    <p:set>
+                                      <p:cBhvr>
+                                        <p:cTn id="14" dur="1" fill="hold">
+                                          <p:stCondLst>
+                                            <p:cond delay="0"/>
+                                          </p:stCondLst>
+                                        </p:cTn>
+                                        <p:tgtEl>
+                                          <p:spTgt spid="4">
+                                            <p:txEl>
+                                              <p:pRg st="0" end="0"/>
+                                            </p:txEl>
+                                          </p:spTgt>
+                                        </p:tgtEl>
+                                        <p:attrNameLst>
+                                          <p:attrName>style.visibility</p:attrName>
+                                        </p:attrNameLst>
+                                      </p:cBhvr>
+                                      <p:to>
+                                        <p:strVal val="visible"/>
+                                      </p:to>
+                                    </p:set>
+                                    <p:animEffect transition="in" filter="fade">
+                                      <p:cBhvr>
+                                        <p:cTn id="15" dur="500"/>
+                                        <p:tgtEl>
+                                          <p:spTgt spid="4">
+                                            <p:txEl>
+                                              <p:pRg st="0" end="0"/>
+                                            </p:txEl>
+                                          </p:spTgt>
+                                        </p:tgtEl>
+                                      </p:cBhvr>
+                                    </p:animEffect>
+                                  </p:childTnLst>
+                                </p:cTn>
+                              </p:par>
+                            </p:childTnLst>
+                          </p:cTn>
+                        </p:par>
+                      </p:childTnLst>
+                    </p:cTn>
+                  </p:par>
+                  <p:par>
+                    <p:cTn id="16" fill="hold">
+                      <p:stCondLst>
+                        <p:cond delay="indefinite"/>
+                      </p:stCondLst>
+                      <p:childTnLst>
+                        <p:par>
+                          <p:cTn id="17" fill="hold">
+                            <p:stCondLst>
+                              <p:cond delay="0"/>
+                            </p:stCondLst>
+                            <p:childTnLst>
+                              <p:par>
+                                <p:cTn id="18" presetID="10" presetClass="entr" presetSubtype="0" fill="hold" grpId="0" nodeType="clickEffect">
+                                  <p:stCondLst>
+                                    <p:cond delay="0"/>
+                                  </p:stCondLst>
+                                  <p:childTnLst>
+                                    <p:set>
+                                      <p:cBhvr>
+                                        <p:cTn id="19" dur="1" fill="hold">
+                                          <p:stCondLst>
+                                            <p:cond delay="0"/>
+                                          </p:stCondLst>
+                                        </p:cTn>
+                                        <p:tgtEl>
+                                          <p:spTgt spid="4">
+                                            <p:txEl>
+                                              <p:pRg st="1" end="1"/>
+                                            </p:txEl>
+                                          </p:spTgt>
+                                        </p:tgtEl>
+                                        <p:attrNameLst>
+                                          <p:attrName>style.visibility</p:attrName>
+                                        </p:attrNameLst>
+                                      </p:cBhvr>
+                                      <p:to>
+                                        <p:strVal val="visible"/>
+                                      </p:to>
+                                    </p:set>
+                                    <p:animEffect transition="in" filter="fade">
+                                      <p:cBhvr>
+                                        <p:cTn id="20" dur="500"/>
+                                        <p:tgtEl>
+                                          <p:spTgt spid="4">
+                                            <p:txEl>
+                                              <p:pRg st="1" end="1"/>
+                                            </p:txEl>
+                                          </p:spTgt>
+                                        </p:tgtEl>
+                                      </p:cBhvr>
+                                    </p:animEffect>
+                                  </p:childTnLst>
+                                </p:cTn>
+                              </p:par>
+                            </p:childTnLst>
+                          </p:cTn>
+                        </p:par>
+                      </p:childTnLst>
+                    </p:cTn>
+                  </p:par>
+                </p:childTnLst>
+              </p:cTn>
+              <p:prevCondLst>
+                <p:cond evt="onPrev" delay="0">
+                  <p:tgtEl>
+                    <p:sldTgt/>
+                  </p:tgtEl>
+                </p:cond>
+              </p:prevCondLst>
+              <p:nextCondLst>
+                <p:cond evt="onNext" delay="0">
+                  <p:tgtEl>
+                    <p:sldTgt/>
+                  </p:tgtEl>
+                </p:cond>
+              </p:nextCondLst>
+            </p:seq>
+          </p:childTnLst>
+        </p:cTn>
+      </p:par>
+    </p:tnLst>
+    <p:bldLst>
+      <p:bldP spid="2" grpId="0"/>
+      <p:bldP spid="4" grpId="0" build="p"/>
+    </p:bldLst>
+  </p:timing>
 </p:sld>
 </file>
 
